--- a/oyas/docs/montages.pptx
+++ b/oyas/docs/montages.pptx
@@ -7,8 +7,10 @@
   <p:sldIdLst>
     <p:sldId id="256" r:id="rId2"/>
     <p:sldId id="258" r:id="rId3"/>
-    <p:sldId id="261" r:id="rId4"/>
-    <p:sldId id="262" r:id="rId5"/>
+    <p:sldId id="263" r:id="rId4"/>
+    <p:sldId id="261" r:id="rId5"/>
+    <p:sldId id="262" r:id="rId6"/>
+    <p:sldId id="264" r:id="rId7"/>
   </p:sldIdLst>
   <p:sldSz cx="12192000" cy="6858000"/>
   <p:notesSz cx="6858000" cy="9144000"/>
@@ -262,7 +264,7 @@
           <a:p>
             <a:fld id="{87762C5B-391C-44AE-A314-84675F5D9C4A}" type="datetimeFigureOut">
               <a:rPr lang="fr-FR" smtClean="0"/>
-              <a:t>25/08/2024</a:t>
+              <a:t>17/05/2025</a:t>
             </a:fld>
             <a:endParaRPr lang="fr-FR"/>
           </a:p>
@@ -460,7 +462,7 @@
           <a:p>
             <a:fld id="{87762C5B-391C-44AE-A314-84675F5D9C4A}" type="datetimeFigureOut">
               <a:rPr lang="fr-FR" smtClean="0"/>
-              <a:t>25/08/2024</a:t>
+              <a:t>17/05/2025</a:t>
             </a:fld>
             <a:endParaRPr lang="fr-FR"/>
           </a:p>
@@ -668,7 +670,7 @@
           <a:p>
             <a:fld id="{87762C5B-391C-44AE-A314-84675F5D9C4A}" type="datetimeFigureOut">
               <a:rPr lang="fr-FR" smtClean="0"/>
-              <a:t>25/08/2024</a:t>
+              <a:t>17/05/2025</a:t>
             </a:fld>
             <a:endParaRPr lang="fr-FR"/>
           </a:p>
@@ -866,7 +868,7 @@
           <a:p>
             <a:fld id="{87762C5B-391C-44AE-A314-84675F5D9C4A}" type="datetimeFigureOut">
               <a:rPr lang="fr-FR" smtClean="0"/>
-              <a:t>25/08/2024</a:t>
+              <a:t>17/05/2025</a:t>
             </a:fld>
             <a:endParaRPr lang="fr-FR"/>
           </a:p>
@@ -1141,7 +1143,7 @@
           <a:p>
             <a:fld id="{87762C5B-391C-44AE-A314-84675F5D9C4A}" type="datetimeFigureOut">
               <a:rPr lang="fr-FR" smtClean="0"/>
-              <a:t>25/08/2024</a:t>
+              <a:t>17/05/2025</a:t>
             </a:fld>
             <a:endParaRPr lang="fr-FR"/>
           </a:p>
@@ -1406,7 +1408,7 @@
           <a:p>
             <a:fld id="{87762C5B-391C-44AE-A314-84675F5D9C4A}" type="datetimeFigureOut">
               <a:rPr lang="fr-FR" smtClean="0"/>
-              <a:t>25/08/2024</a:t>
+              <a:t>17/05/2025</a:t>
             </a:fld>
             <a:endParaRPr lang="fr-FR"/>
           </a:p>
@@ -1818,7 +1820,7 @@
           <a:p>
             <a:fld id="{87762C5B-391C-44AE-A314-84675F5D9C4A}" type="datetimeFigureOut">
               <a:rPr lang="fr-FR" smtClean="0"/>
-              <a:t>25/08/2024</a:t>
+              <a:t>17/05/2025</a:t>
             </a:fld>
             <a:endParaRPr lang="fr-FR"/>
           </a:p>
@@ -1959,7 +1961,7 @@
           <a:p>
             <a:fld id="{87762C5B-391C-44AE-A314-84675F5D9C4A}" type="datetimeFigureOut">
               <a:rPr lang="fr-FR" smtClean="0"/>
-              <a:t>25/08/2024</a:t>
+              <a:t>17/05/2025</a:t>
             </a:fld>
             <a:endParaRPr lang="fr-FR"/>
           </a:p>
@@ -2072,7 +2074,7 @@
           <a:p>
             <a:fld id="{87762C5B-391C-44AE-A314-84675F5D9C4A}" type="datetimeFigureOut">
               <a:rPr lang="fr-FR" smtClean="0"/>
-              <a:t>25/08/2024</a:t>
+              <a:t>17/05/2025</a:t>
             </a:fld>
             <a:endParaRPr lang="fr-FR"/>
           </a:p>
@@ -2383,7 +2385,7 @@
           <a:p>
             <a:fld id="{87762C5B-391C-44AE-A314-84675F5D9C4A}" type="datetimeFigureOut">
               <a:rPr lang="fr-FR" smtClean="0"/>
-              <a:t>25/08/2024</a:t>
+              <a:t>17/05/2025</a:t>
             </a:fld>
             <a:endParaRPr lang="fr-FR"/>
           </a:p>
@@ -2671,7 +2673,7 @@
           <a:p>
             <a:fld id="{87762C5B-391C-44AE-A314-84675F5D9C4A}" type="datetimeFigureOut">
               <a:rPr lang="fr-FR" smtClean="0"/>
-              <a:t>25/08/2024</a:t>
+              <a:t>17/05/2025</a:t>
             </a:fld>
             <a:endParaRPr lang="fr-FR"/>
           </a:p>
@@ -2912,7 +2914,7 @@
           <a:p>
             <a:fld id="{87762C5B-391C-44AE-A314-84675F5D9C4A}" type="datetimeFigureOut">
               <a:rPr lang="fr-FR" smtClean="0"/>
-              <a:t>25/08/2024</a:t>
+              <a:t>17/05/2025</a:t>
             </a:fld>
             <a:endParaRPr lang="fr-FR"/>
           </a:p>
@@ -4267,6 +4269,286 @@
           </a:fontRef>
         </p:style>
       </p:cxnSp>
+      <p:sp>
+        <p:nvSpPr>
+          <p:cNvPr id="2" name="ZoneTexte 1">
+            <a:extLst>
+              <a:ext uri="{FF2B5EF4-FFF2-40B4-BE49-F238E27FC236}">
+                <a16:creationId xmlns:a16="http://schemas.microsoft.com/office/drawing/2014/main" id="{0B6DA58F-FCB1-6E09-DAEF-F9A5B88CB942}"/>
+              </a:ext>
+            </a:extLst>
+          </p:cNvPr>
+          <p:cNvSpPr txBox="1"/>
+          <p:nvPr/>
+        </p:nvSpPr>
+        <p:spPr>
+          <a:xfrm>
+            <a:off x="8479236" y="771212"/>
+            <a:ext cx="436338" cy="307777"/>
+          </a:xfrm>
+          <a:prstGeom prst="rect">
+            <a:avLst/>
+          </a:prstGeom>
+          <a:noFill/>
+        </p:spPr>
+        <p:txBody>
+          <a:bodyPr wrap="none" rtlCol="0">
+            <a:spAutoFit/>
+          </a:bodyPr>
+          <a:lstStyle/>
+          <a:p>
+            <a:r>
+              <a:rPr lang="fr-FR" sz="1400" dirty="0"/>
+              <a:t>@1</a:t>
+            </a:r>
+          </a:p>
+        </p:txBody>
+      </p:sp>
+      <p:sp>
+        <p:nvSpPr>
+          <p:cNvPr id="3" name="ZoneTexte 2">
+            <a:extLst>
+              <a:ext uri="{FF2B5EF4-FFF2-40B4-BE49-F238E27FC236}">
+                <a16:creationId xmlns:a16="http://schemas.microsoft.com/office/drawing/2014/main" id="{5904FC66-AA7B-285D-4E83-482C6B330AAD}"/>
+              </a:ext>
+            </a:extLst>
+          </p:cNvPr>
+          <p:cNvSpPr txBox="1"/>
+          <p:nvPr/>
+        </p:nvSpPr>
+        <p:spPr>
+          <a:xfrm>
+            <a:off x="5309668" y="415592"/>
+            <a:ext cx="436338" cy="307777"/>
+          </a:xfrm>
+          <a:prstGeom prst="rect">
+            <a:avLst/>
+          </a:prstGeom>
+          <a:noFill/>
+        </p:spPr>
+        <p:txBody>
+          <a:bodyPr wrap="none" rtlCol="0">
+            <a:spAutoFit/>
+          </a:bodyPr>
+          <a:lstStyle/>
+          <a:p>
+            <a:r>
+              <a:rPr lang="fr-FR" sz="1400" dirty="0"/>
+              <a:t>@2</a:t>
+            </a:r>
+          </a:p>
+        </p:txBody>
+      </p:sp>
+      <p:sp>
+        <p:nvSpPr>
+          <p:cNvPr id="5" name="ZoneTexte 4">
+            <a:extLst>
+              <a:ext uri="{FF2B5EF4-FFF2-40B4-BE49-F238E27FC236}">
+                <a16:creationId xmlns:a16="http://schemas.microsoft.com/office/drawing/2014/main" id="{36B61B44-CDD8-4E65-815C-CE71F9C3C3C0}"/>
+              </a:ext>
+            </a:extLst>
+          </p:cNvPr>
+          <p:cNvSpPr txBox="1"/>
+          <p:nvPr/>
+        </p:nvSpPr>
+        <p:spPr>
+          <a:xfrm>
+            <a:off x="4109941" y="415591"/>
+            <a:ext cx="436338" cy="307777"/>
+          </a:xfrm>
+          <a:prstGeom prst="rect">
+            <a:avLst/>
+          </a:prstGeom>
+          <a:noFill/>
+        </p:spPr>
+        <p:txBody>
+          <a:bodyPr wrap="none" rtlCol="0">
+            <a:spAutoFit/>
+          </a:bodyPr>
+          <a:lstStyle/>
+          <a:p>
+            <a:r>
+              <a:rPr lang="fr-FR" sz="1400" dirty="0"/>
+              <a:t>@3</a:t>
+            </a:r>
+          </a:p>
+        </p:txBody>
+      </p:sp>
+      <p:sp>
+        <p:nvSpPr>
+          <p:cNvPr id="7" name="ZoneTexte 6">
+            <a:extLst>
+              <a:ext uri="{FF2B5EF4-FFF2-40B4-BE49-F238E27FC236}">
+                <a16:creationId xmlns:a16="http://schemas.microsoft.com/office/drawing/2014/main" id="{CDBF727F-0C25-66F5-7039-B38C5A3BC782}"/>
+              </a:ext>
+            </a:extLst>
+          </p:cNvPr>
+          <p:cNvSpPr txBox="1"/>
+          <p:nvPr/>
+        </p:nvSpPr>
+        <p:spPr>
+          <a:xfrm>
+            <a:off x="2212088" y="415590"/>
+            <a:ext cx="436338" cy="307777"/>
+          </a:xfrm>
+          <a:prstGeom prst="rect">
+            <a:avLst/>
+          </a:prstGeom>
+          <a:noFill/>
+        </p:spPr>
+        <p:txBody>
+          <a:bodyPr wrap="none" rtlCol="0">
+            <a:spAutoFit/>
+          </a:bodyPr>
+          <a:lstStyle/>
+          <a:p>
+            <a:r>
+              <a:rPr lang="fr-FR" sz="1400" dirty="0"/>
+              <a:t>@4</a:t>
+            </a:r>
+          </a:p>
+        </p:txBody>
+      </p:sp>
+      <p:sp>
+        <p:nvSpPr>
+          <p:cNvPr id="8" name="ZoneTexte 7">
+            <a:extLst>
+              <a:ext uri="{FF2B5EF4-FFF2-40B4-BE49-F238E27FC236}">
+                <a16:creationId xmlns:a16="http://schemas.microsoft.com/office/drawing/2014/main" id="{674A1783-A09B-65E8-55FB-96654574807E}"/>
+              </a:ext>
+            </a:extLst>
+          </p:cNvPr>
+          <p:cNvSpPr txBox="1"/>
+          <p:nvPr/>
+        </p:nvSpPr>
+        <p:spPr>
+          <a:xfrm>
+            <a:off x="1225133" y="402783"/>
+            <a:ext cx="436338" cy="307777"/>
+          </a:xfrm>
+          <a:prstGeom prst="rect">
+            <a:avLst/>
+          </a:prstGeom>
+          <a:noFill/>
+        </p:spPr>
+        <p:txBody>
+          <a:bodyPr wrap="none" rtlCol="0">
+            <a:spAutoFit/>
+          </a:bodyPr>
+          <a:lstStyle/>
+          <a:p>
+            <a:r>
+              <a:rPr lang="fr-FR" sz="1400" dirty="0"/>
+              <a:t>@5</a:t>
+            </a:r>
+          </a:p>
+        </p:txBody>
+      </p:sp>
+      <p:sp>
+        <p:nvSpPr>
+          <p:cNvPr id="9" name="ZoneTexte 8">
+            <a:extLst>
+              <a:ext uri="{FF2B5EF4-FFF2-40B4-BE49-F238E27FC236}">
+                <a16:creationId xmlns:a16="http://schemas.microsoft.com/office/drawing/2014/main" id="{E048B4DA-92FA-35C4-7AA4-86FD6B647673}"/>
+              </a:ext>
+            </a:extLst>
+          </p:cNvPr>
+          <p:cNvSpPr txBox="1"/>
+          <p:nvPr/>
+        </p:nvSpPr>
+        <p:spPr>
+          <a:xfrm>
+            <a:off x="276207" y="415589"/>
+            <a:ext cx="436338" cy="307777"/>
+          </a:xfrm>
+          <a:prstGeom prst="rect">
+            <a:avLst/>
+          </a:prstGeom>
+          <a:noFill/>
+        </p:spPr>
+        <p:txBody>
+          <a:bodyPr wrap="none" rtlCol="0">
+            <a:spAutoFit/>
+          </a:bodyPr>
+          <a:lstStyle/>
+          <a:p>
+            <a:r>
+              <a:rPr lang="fr-FR" sz="1400" dirty="0"/>
+              <a:t>@6</a:t>
+            </a:r>
+          </a:p>
+        </p:txBody>
+      </p:sp>
+      <p:sp>
+        <p:nvSpPr>
+          <p:cNvPr id="10" name="ZoneTexte 9">
+            <a:extLst>
+              <a:ext uri="{FF2B5EF4-FFF2-40B4-BE49-F238E27FC236}">
+                <a16:creationId xmlns:a16="http://schemas.microsoft.com/office/drawing/2014/main" id="{C3B65A0D-CDBF-D835-0F8E-D7B7A2A39F60}"/>
+              </a:ext>
+            </a:extLst>
+          </p:cNvPr>
+          <p:cNvSpPr txBox="1"/>
+          <p:nvPr/>
+        </p:nvSpPr>
+        <p:spPr>
+          <a:xfrm>
+            <a:off x="1225133" y="2521182"/>
+            <a:ext cx="436338" cy="307777"/>
+          </a:xfrm>
+          <a:prstGeom prst="rect">
+            <a:avLst/>
+          </a:prstGeom>
+          <a:noFill/>
+        </p:spPr>
+        <p:txBody>
+          <a:bodyPr wrap="none" rtlCol="0">
+            <a:spAutoFit/>
+          </a:bodyPr>
+          <a:lstStyle/>
+          <a:p>
+            <a:r>
+              <a:rPr lang="fr-FR" sz="1400" dirty="0"/>
+              <a:t>@7</a:t>
+            </a:r>
+          </a:p>
+        </p:txBody>
+      </p:sp>
+      <p:sp>
+        <p:nvSpPr>
+          <p:cNvPr id="11" name="ZoneTexte 10">
+            <a:extLst>
+              <a:ext uri="{FF2B5EF4-FFF2-40B4-BE49-F238E27FC236}">
+                <a16:creationId xmlns:a16="http://schemas.microsoft.com/office/drawing/2014/main" id="{77936E54-C337-8905-42FD-C3BD60EF8B4F}"/>
+              </a:ext>
+            </a:extLst>
+          </p:cNvPr>
+          <p:cNvSpPr txBox="1"/>
+          <p:nvPr/>
+        </p:nvSpPr>
+        <p:spPr>
+          <a:xfrm>
+            <a:off x="2430257" y="2521182"/>
+            <a:ext cx="436338" cy="307777"/>
+          </a:xfrm>
+          <a:prstGeom prst="rect">
+            <a:avLst/>
+          </a:prstGeom>
+          <a:noFill/>
+        </p:spPr>
+        <p:txBody>
+          <a:bodyPr wrap="none" rtlCol="0">
+            <a:spAutoFit/>
+          </a:bodyPr>
+          <a:lstStyle/>
+          <a:p>
+            <a:r>
+              <a:rPr lang="fr-FR" sz="1400" dirty="0"/>
+              <a:t>@8</a:t>
+            </a:r>
+          </a:p>
+        </p:txBody>
+      </p:sp>
     </p:spTree>
     <p:extLst>
       <p:ext uri="{BB962C8B-B14F-4D97-AF65-F5344CB8AC3E}">
@@ -4311,7 +4593,7 @@
         </p:nvSpPr>
         <p:spPr>
           <a:xfrm>
-            <a:off x="975919" y="4912156"/>
+            <a:off x="974362" y="5370735"/>
             <a:ext cx="1195057" cy="615635"/>
           </a:xfrm>
           <a:prstGeom prst="roundRect">
@@ -4367,7 +4649,7 @@
         </p:nvSpPr>
         <p:spPr>
           <a:xfrm>
-            <a:off x="2363723" y="4005653"/>
+            <a:off x="2362166" y="4464232"/>
             <a:ext cx="1314230" cy="434567"/>
           </a:xfrm>
           <a:prstGeom prst="chevron">
@@ -4420,7 +4702,7 @@
         </p:nvSpPr>
         <p:spPr>
           <a:xfrm>
-            <a:off x="2296408" y="4511303"/>
+            <a:off x="2294851" y="4969882"/>
             <a:ext cx="1188450" cy="1640721"/>
           </a:xfrm>
           <a:prstGeom prst="flowChartMagneticDisk">
@@ -4469,7 +4751,7 @@
         </p:nvSpPr>
         <p:spPr>
           <a:xfrm>
-            <a:off x="5973433" y="2747059"/>
+            <a:off x="6354604" y="3278001"/>
             <a:ext cx="857064" cy="365554"/>
           </a:xfrm>
           <a:prstGeom prst="flowChartManualOperation">
@@ -4518,7 +4800,7 @@
         </p:nvSpPr>
         <p:spPr>
           <a:xfrm>
-            <a:off x="5976440" y="4218806"/>
+            <a:off x="6357611" y="4749748"/>
             <a:ext cx="857064" cy="365554"/>
           </a:xfrm>
           <a:prstGeom prst="flowChartManualOperation">
@@ -4567,7 +4849,7 @@
         </p:nvSpPr>
         <p:spPr>
           <a:xfrm>
-            <a:off x="5973433" y="1304105"/>
+            <a:off x="6354604" y="1835047"/>
             <a:ext cx="857064" cy="365554"/>
           </a:xfrm>
           <a:prstGeom prst="flowChartManualOperation">
@@ -4616,7 +4898,7 @@
         </p:nvSpPr>
         <p:spPr>
           <a:xfrm>
-            <a:off x="5973433" y="566927"/>
+            <a:off x="6354604" y="1097869"/>
             <a:ext cx="857064" cy="365554"/>
           </a:xfrm>
           <a:prstGeom prst="flowChartManualOperation">
@@ -4667,7 +4949,7 @@
         </p:nvCxnSpPr>
         <p:spPr>
           <a:xfrm flipV="1">
-            <a:off x="1549037" y="4222936"/>
+            <a:off x="1547480" y="4681515"/>
             <a:ext cx="670857" cy="590754"/>
           </a:xfrm>
           <a:prstGeom prst="straightConnector1">
@@ -4707,7 +4989,7 @@
         </p:nvSpPr>
         <p:spPr>
           <a:xfrm>
-            <a:off x="5974990" y="3490308"/>
+            <a:off x="6356161" y="4021250"/>
             <a:ext cx="857064" cy="365554"/>
           </a:xfrm>
           <a:prstGeom prst="flowChartManualOperation">
@@ -4758,7 +5040,7 @@
         </p:nvCxnSpPr>
         <p:spPr>
           <a:xfrm flipV="1">
-            <a:off x="6401965" y="1790299"/>
+            <a:off x="6783136" y="2321241"/>
             <a:ext cx="0" cy="805639"/>
           </a:xfrm>
           <a:prstGeom prst="straightConnector1">
@@ -4801,7 +5083,7 @@
         </p:nvCxnSpPr>
         <p:spPr>
           <a:xfrm>
-            <a:off x="6401965" y="3906160"/>
+            <a:off x="6783136" y="4437102"/>
             <a:ext cx="0" cy="241231"/>
           </a:xfrm>
           <a:prstGeom prst="straightConnector1">
@@ -4841,7 +5123,7 @@
         </p:nvSpPr>
         <p:spPr>
           <a:xfrm>
-            <a:off x="2446975" y="2016357"/>
+            <a:off x="2438099" y="2561492"/>
             <a:ext cx="857064" cy="365554"/>
           </a:xfrm>
           <a:prstGeom prst="flowChartManualOperation">
@@ -4890,7 +5172,7 @@
         </p:nvSpPr>
         <p:spPr>
           <a:xfrm>
-            <a:off x="2462101" y="2774172"/>
+            <a:off x="2488433" y="3326938"/>
             <a:ext cx="857064" cy="365554"/>
           </a:xfrm>
           <a:prstGeom prst="flowChartManualOperation">
@@ -4941,8 +5223,8 @@
         </p:nvCxnSpPr>
         <p:spPr>
           <a:xfrm>
-            <a:off x="3319165" y="2184613"/>
-            <a:ext cx="2657275" cy="2161360"/>
+            <a:off x="3244829" y="2739131"/>
+            <a:ext cx="3345212" cy="3150392"/>
           </a:xfrm>
           <a:prstGeom prst="straightConnector1">
             <a:avLst/>
@@ -4984,7 +5266,7 @@
         </p:nvCxnSpPr>
         <p:spPr>
           <a:xfrm flipV="1">
-            <a:off x="2890633" y="3220865"/>
+            <a:off x="2916965" y="3747677"/>
             <a:ext cx="0" cy="639127"/>
           </a:xfrm>
           <a:prstGeom prst="straightConnector1">
@@ -5026,7 +5308,7 @@
         </p:nvCxnSpPr>
         <p:spPr>
           <a:xfrm flipH="1" flipV="1">
-            <a:off x="2890633" y="2454442"/>
+            <a:off x="2910221" y="2995009"/>
             <a:ext cx="1450" cy="282992"/>
           </a:xfrm>
           <a:prstGeom prst="straightConnector1">
@@ -5068,7 +5350,7 @@
         </p:nvCxnSpPr>
         <p:spPr>
           <a:xfrm>
-            <a:off x="6391901" y="3187769"/>
+            <a:off x="6773072" y="3718711"/>
             <a:ext cx="0" cy="241231"/>
           </a:xfrm>
           <a:prstGeom prst="straightConnector1">
@@ -5110,7 +5392,7 @@
         </p:nvCxnSpPr>
         <p:spPr>
           <a:xfrm>
-            <a:off x="6381398" y="989571"/>
+            <a:off x="6762569" y="1520513"/>
             <a:ext cx="0" cy="241231"/>
           </a:xfrm>
           <a:prstGeom prst="straightConnector1">
@@ -5136,6 +5418,918 @@
           </a:fontRef>
         </p:style>
       </p:cxnSp>
+      <p:sp>
+        <p:nvSpPr>
+          <p:cNvPr id="2" name="Organigramme : Opération manuelle 1">
+            <a:extLst>
+              <a:ext uri="{FF2B5EF4-FFF2-40B4-BE49-F238E27FC236}">
+                <a16:creationId xmlns:a16="http://schemas.microsoft.com/office/drawing/2014/main" id="{F64BB39D-6F2E-8A48-A114-B5A203884A78}"/>
+              </a:ext>
+            </a:extLst>
+          </p:cNvPr>
+          <p:cNvSpPr/>
+          <p:nvPr/>
+        </p:nvSpPr>
+        <p:spPr>
+          <a:xfrm>
+            <a:off x="6362168" y="5986370"/>
+            <a:ext cx="857064" cy="365554"/>
+          </a:xfrm>
+          <a:prstGeom prst="flowChartManualOperation">
+            <a:avLst/>
+          </a:prstGeom>
+        </p:spPr>
+        <p:style>
+          <a:lnRef idx="2">
+            <a:schemeClr val="accent6">
+              <a:shade val="15000"/>
+            </a:schemeClr>
+          </a:lnRef>
+          <a:fillRef idx="1">
+            <a:schemeClr val="accent6"/>
+          </a:fillRef>
+          <a:effectRef idx="0">
+            <a:schemeClr val="accent6"/>
+          </a:effectRef>
+          <a:fontRef idx="minor">
+            <a:schemeClr val="lt1"/>
+          </a:fontRef>
+        </p:style>
+        <p:txBody>
+          <a:bodyPr vert="horz" rtlCol="0" anchor="ctr"/>
+          <a:lstStyle/>
+          <a:p>
+            <a:pPr algn="ctr"/>
+            <a:r>
+              <a:rPr lang="fr-FR" sz="1200" dirty="0"/>
+              <a:t>Oya</a:t>
+            </a:r>
+          </a:p>
+        </p:txBody>
+      </p:sp>
+      <p:cxnSp>
+        <p:nvCxnSpPr>
+          <p:cNvPr id="8" name="Connecteur droit avec flèche 7">
+            <a:extLst>
+              <a:ext uri="{FF2B5EF4-FFF2-40B4-BE49-F238E27FC236}">
+                <a16:creationId xmlns:a16="http://schemas.microsoft.com/office/drawing/2014/main" id="{47E338D2-039A-AD4F-BDAF-92278577B0DA}"/>
+              </a:ext>
+            </a:extLst>
+          </p:cNvPr>
+          <p:cNvCxnSpPr>
+            <a:cxnSpLocks/>
+          </p:cNvCxnSpPr>
+          <p:nvPr/>
+        </p:nvCxnSpPr>
+        <p:spPr>
+          <a:xfrm flipH="1" flipV="1">
+            <a:off x="6773072" y="5154630"/>
+            <a:ext cx="10064" cy="734893"/>
+          </a:xfrm>
+          <a:prstGeom prst="straightConnector1">
+            <a:avLst/>
+          </a:prstGeom>
+          <a:ln>
+            <a:prstDash val="lgDash"/>
+            <a:headEnd type="triangle"/>
+            <a:tailEnd type="triangle"/>
+          </a:ln>
+        </p:spPr>
+        <p:style>
+          <a:lnRef idx="2">
+            <a:schemeClr val="dk1"/>
+          </a:lnRef>
+          <a:fillRef idx="0">
+            <a:schemeClr val="dk1"/>
+          </a:fillRef>
+          <a:effectRef idx="1">
+            <a:schemeClr val="dk1"/>
+          </a:effectRef>
+          <a:fontRef idx="minor">
+            <a:schemeClr val="tx1"/>
+          </a:fontRef>
+        </p:style>
+      </p:cxnSp>
+      <p:sp>
+        <p:nvSpPr>
+          <p:cNvPr id="17" name="Organigramme : Opération manuelle 16">
+            <a:extLst>
+              <a:ext uri="{FF2B5EF4-FFF2-40B4-BE49-F238E27FC236}">
+                <a16:creationId xmlns:a16="http://schemas.microsoft.com/office/drawing/2014/main" id="{EFF02B97-5711-32F9-17BD-95C1AA569112}"/>
+              </a:ext>
+            </a:extLst>
+          </p:cNvPr>
+          <p:cNvSpPr/>
+          <p:nvPr/>
+        </p:nvSpPr>
+        <p:spPr>
+          <a:xfrm>
+            <a:off x="6311885" y="296781"/>
+            <a:ext cx="857064" cy="365554"/>
+          </a:xfrm>
+          <a:prstGeom prst="flowChartManualOperation">
+            <a:avLst/>
+          </a:prstGeom>
+        </p:spPr>
+        <p:style>
+          <a:lnRef idx="2">
+            <a:schemeClr val="accent6">
+              <a:shade val="15000"/>
+            </a:schemeClr>
+          </a:lnRef>
+          <a:fillRef idx="1">
+            <a:schemeClr val="accent6"/>
+          </a:fillRef>
+          <a:effectRef idx="0">
+            <a:schemeClr val="accent6"/>
+          </a:effectRef>
+          <a:fontRef idx="minor">
+            <a:schemeClr val="lt1"/>
+          </a:fontRef>
+        </p:style>
+        <p:txBody>
+          <a:bodyPr vert="horz" rtlCol="0" anchor="ctr"/>
+          <a:lstStyle/>
+          <a:p>
+            <a:pPr algn="ctr"/>
+            <a:r>
+              <a:rPr lang="fr-FR" sz="1200" dirty="0"/>
+              <a:t>Oya</a:t>
+            </a:r>
+          </a:p>
+        </p:txBody>
+      </p:sp>
+      <p:cxnSp>
+        <p:nvCxnSpPr>
+          <p:cNvPr id="18" name="Connecteur droit avec flèche 17">
+            <a:extLst>
+              <a:ext uri="{FF2B5EF4-FFF2-40B4-BE49-F238E27FC236}">
+                <a16:creationId xmlns:a16="http://schemas.microsoft.com/office/drawing/2014/main" id="{1C461A8B-4241-DBC6-DACA-0AA6DD0DC00C}"/>
+              </a:ext>
+            </a:extLst>
+          </p:cNvPr>
+          <p:cNvCxnSpPr>
+            <a:cxnSpLocks/>
+          </p:cNvCxnSpPr>
+          <p:nvPr/>
+        </p:nvCxnSpPr>
+        <p:spPr>
+          <a:xfrm>
+            <a:off x="6773072" y="758513"/>
+            <a:ext cx="0" cy="241231"/>
+          </a:xfrm>
+          <a:prstGeom prst="straightConnector1">
+            <a:avLst/>
+          </a:prstGeom>
+          <a:ln>
+            <a:headEnd type="triangle"/>
+            <a:tailEnd type="triangle"/>
+          </a:ln>
+        </p:spPr>
+        <p:style>
+          <a:lnRef idx="2">
+            <a:schemeClr val="dk1"/>
+          </a:lnRef>
+          <a:fillRef idx="0">
+            <a:schemeClr val="dk1"/>
+          </a:fillRef>
+          <a:effectRef idx="1">
+            <a:schemeClr val="dk1"/>
+          </a:effectRef>
+          <a:fontRef idx="minor">
+            <a:schemeClr val="tx1"/>
+          </a:fontRef>
+        </p:style>
+      </p:cxnSp>
+      <p:sp>
+        <p:nvSpPr>
+          <p:cNvPr id="19" name="Organigramme : Opération manuelle 18">
+            <a:extLst>
+              <a:ext uri="{FF2B5EF4-FFF2-40B4-BE49-F238E27FC236}">
+                <a16:creationId xmlns:a16="http://schemas.microsoft.com/office/drawing/2014/main" id="{7B323EDA-CC15-428F-2C89-9799DCD25261}"/>
+              </a:ext>
+            </a:extLst>
+          </p:cNvPr>
+          <p:cNvSpPr/>
+          <p:nvPr/>
+        </p:nvSpPr>
+        <p:spPr>
+          <a:xfrm>
+            <a:off x="4753472" y="296781"/>
+            <a:ext cx="857064" cy="365554"/>
+          </a:xfrm>
+          <a:prstGeom prst="flowChartManualOperation">
+            <a:avLst/>
+          </a:prstGeom>
+        </p:spPr>
+        <p:style>
+          <a:lnRef idx="2">
+            <a:schemeClr val="accent6">
+              <a:shade val="15000"/>
+            </a:schemeClr>
+          </a:lnRef>
+          <a:fillRef idx="1">
+            <a:schemeClr val="accent6"/>
+          </a:fillRef>
+          <a:effectRef idx="0">
+            <a:schemeClr val="accent6"/>
+          </a:effectRef>
+          <a:fontRef idx="minor">
+            <a:schemeClr val="lt1"/>
+          </a:fontRef>
+        </p:style>
+        <p:txBody>
+          <a:bodyPr vert="horz" rtlCol="0" anchor="ctr"/>
+          <a:lstStyle/>
+          <a:p>
+            <a:pPr algn="ctr"/>
+            <a:r>
+              <a:rPr lang="fr-FR" sz="1200" dirty="0"/>
+              <a:t>Oya</a:t>
+            </a:r>
+          </a:p>
+        </p:txBody>
+      </p:sp>
+      <p:sp>
+        <p:nvSpPr>
+          <p:cNvPr id="20" name="Organigramme : Opération manuelle 19">
+            <a:extLst>
+              <a:ext uri="{FF2B5EF4-FFF2-40B4-BE49-F238E27FC236}">
+                <a16:creationId xmlns:a16="http://schemas.microsoft.com/office/drawing/2014/main" id="{81315ACF-79FC-7151-4E59-7CA60601E39B}"/>
+              </a:ext>
+            </a:extLst>
+          </p:cNvPr>
+          <p:cNvSpPr/>
+          <p:nvPr/>
+        </p:nvSpPr>
+        <p:spPr>
+          <a:xfrm>
+            <a:off x="4753472" y="1097869"/>
+            <a:ext cx="857064" cy="365554"/>
+          </a:xfrm>
+          <a:prstGeom prst="flowChartManualOperation">
+            <a:avLst/>
+          </a:prstGeom>
+        </p:spPr>
+        <p:style>
+          <a:lnRef idx="2">
+            <a:schemeClr val="accent6">
+              <a:shade val="15000"/>
+            </a:schemeClr>
+          </a:lnRef>
+          <a:fillRef idx="1">
+            <a:schemeClr val="accent6"/>
+          </a:fillRef>
+          <a:effectRef idx="0">
+            <a:schemeClr val="accent6"/>
+          </a:effectRef>
+          <a:fontRef idx="minor">
+            <a:schemeClr val="lt1"/>
+          </a:fontRef>
+        </p:style>
+        <p:txBody>
+          <a:bodyPr vert="horz" rtlCol="0" anchor="ctr"/>
+          <a:lstStyle/>
+          <a:p>
+            <a:pPr algn="ctr"/>
+            <a:r>
+              <a:rPr lang="fr-FR" sz="1200" dirty="0"/>
+              <a:t>Oya</a:t>
+            </a:r>
+          </a:p>
+        </p:txBody>
+      </p:sp>
+      <p:sp>
+        <p:nvSpPr>
+          <p:cNvPr id="21" name="Organigramme : Opération manuelle 20">
+            <a:extLst>
+              <a:ext uri="{FF2B5EF4-FFF2-40B4-BE49-F238E27FC236}">
+                <a16:creationId xmlns:a16="http://schemas.microsoft.com/office/drawing/2014/main" id="{A0BF4113-312F-F90E-A032-EED359910363}"/>
+              </a:ext>
+            </a:extLst>
+          </p:cNvPr>
+          <p:cNvSpPr/>
+          <p:nvPr/>
+        </p:nvSpPr>
+        <p:spPr>
+          <a:xfrm>
+            <a:off x="4753472" y="1835047"/>
+            <a:ext cx="857064" cy="365554"/>
+          </a:xfrm>
+          <a:prstGeom prst="flowChartManualOperation">
+            <a:avLst/>
+          </a:prstGeom>
+        </p:spPr>
+        <p:style>
+          <a:lnRef idx="2">
+            <a:schemeClr val="accent6">
+              <a:shade val="15000"/>
+            </a:schemeClr>
+          </a:lnRef>
+          <a:fillRef idx="1">
+            <a:schemeClr val="accent6"/>
+          </a:fillRef>
+          <a:effectRef idx="0">
+            <a:schemeClr val="accent6"/>
+          </a:effectRef>
+          <a:fontRef idx="minor">
+            <a:schemeClr val="lt1"/>
+          </a:fontRef>
+        </p:style>
+        <p:txBody>
+          <a:bodyPr vert="horz" rtlCol="0" anchor="ctr"/>
+          <a:lstStyle/>
+          <a:p>
+            <a:pPr algn="ctr"/>
+            <a:r>
+              <a:rPr lang="fr-FR" sz="1200" dirty="0"/>
+              <a:t>Oya</a:t>
+            </a:r>
+          </a:p>
+        </p:txBody>
+      </p:sp>
+      <p:cxnSp>
+        <p:nvCxnSpPr>
+          <p:cNvPr id="26" name="Connecteur droit avec flèche 25">
+            <a:extLst>
+              <a:ext uri="{FF2B5EF4-FFF2-40B4-BE49-F238E27FC236}">
+                <a16:creationId xmlns:a16="http://schemas.microsoft.com/office/drawing/2014/main" id="{9DFA8C05-5977-182A-4C10-39531D4B9B59}"/>
+              </a:ext>
+            </a:extLst>
+          </p:cNvPr>
+          <p:cNvCxnSpPr>
+            <a:cxnSpLocks/>
+          </p:cNvCxnSpPr>
+          <p:nvPr/>
+        </p:nvCxnSpPr>
+        <p:spPr>
+          <a:xfrm>
+            <a:off x="5182004" y="758512"/>
+            <a:ext cx="0" cy="241231"/>
+          </a:xfrm>
+          <a:prstGeom prst="straightConnector1">
+            <a:avLst/>
+          </a:prstGeom>
+          <a:ln>
+            <a:headEnd type="triangle"/>
+            <a:tailEnd type="triangle"/>
+          </a:ln>
+        </p:spPr>
+        <p:style>
+          <a:lnRef idx="2">
+            <a:schemeClr val="dk1"/>
+          </a:lnRef>
+          <a:fillRef idx="0">
+            <a:schemeClr val="dk1"/>
+          </a:fillRef>
+          <a:effectRef idx="1">
+            <a:schemeClr val="dk1"/>
+          </a:effectRef>
+          <a:fontRef idx="minor">
+            <a:schemeClr val="tx1"/>
+          </a:fontRef>
+        </p:style>
+      </p:cxnSp>
+      <p:cxnSp>
+        <p:nvCxnSpPr>
+          <p:cNvPr id="28" name="Connecteur droit avec flèche 27">
+            <a:extLst>
+              <a:ext uri="{FF2B5EF4-FFF2-40B4-BE49-F238E27FC236}">
+                <a16:creationId xmlns:a16="http://schemas.microsoft.com/office/drawing/2014/main" id="{92C8C54F-2825-A68B-DCFD-EE26667F9D67}"/>
+              </a:ext>
+            </a:extLst>
+          </p:cNvPr>
+          <p:cNvCxnSpPr>
+            <a:cxnSpLocks/>
+          </p:cNvCxnSpPr>
+          <p:nvPr/>
+        </p:nvCxnSpPr>
+        <p:spPr>
+          <a:xfrm>
+            <a:off x="5182004" y="1509822"/>
+            <a:ext cx="0" cy="241231"/>
+          </a:xfrm>
+          <a:prstGeom prst="straightConnector1">
+            <a:avLst/>
+          </a:prstGeom>
+          <a:ln>
+            <a:headEnd type="triangle"/>
+            <a:tailEnd type="triangle"/>
+          </a:ln>
+        </p:spPr>
+        <p:style>
+          <a:lnRef idx="2">
+            <a:schemeClr val="dk1"/>
+          </a:lnRef>
+          <a:fillRef idx="0">
+            <a:schemeClr val="dk1"/>
+          </a:fillRef>
+          <a:effectRef idx="1">
+            <a:schemeClr val="dk1"/>
+          </a:effectRef>
+          <a:fontRef idx="minor">
+            <a:schemeClr val="tx1"/>
+          </a:fontRef>
+        </p:style>
+      </p:cxnSp>
+      <p:cxnSp>
+        <p:nvCxnSpPr>
+          <p:cNvPr id="29" name="Connecteur droit avec flèche 28">
+            <a:extLst>
+              <a:ext uri="{FF2B5EF4-FFF2-40B4-BE49-F238E27FC236}">
+                <a16:creationId xmlns:a16="http://schemas.microsoft.com/office/drawing/2014/main" id="{9CE0EB03-EF7D-AB63-9943-0258CF550E35}"/>
+              </a:ext>
+            </a:extLst>
+          </p:cNvPr>
+          <p:cNvCxnSpPr>
+            <a:cxnSpLocks/>
+          </p:cNvCxnSpPr>
+          <p:nvPr/>
+        </p:nvCxnSpPr>
+        <p:spPr>
+          <a:xfrm flipH="1">
+            <a:off x="5610536" y="479558"/>
+            <a:ext cx="701349" cy="0"/>
+          </a:xfrm>
+          <a:prstGeom prst="straightConnector1">
+            <a:avLst/>
+          </a:prstGeom>
+          <a:ln>
+            <a:prstDash val="lgDash"/>
+            <a:headEnd type="triangle"/>
+            <a:tailEnd type="triangle"/>
+          </a:ln>
+        </p:spPr>
+        <p:style>
+          <a:lnRef idx="2">
+            <a:schemeClr val="dk1"/>
+          </a:lnRef>
+          <a:fillRef idx="0">
+            <a:schemeClr val="dk1"/>
+          </a:fillRef>
+          <a:effectRef idx="1">
+            <a:schemeClr val="dk1"/>
+          </a:effectRef>
+          <a:fontRef idx="minor">
+            <a:schemeClr val="tx1"/>
+          </a:fontRef>
+        </p:style>
+      </p:cxnSp>
+      <p:sp>
+        <p:nvSpPr>
+          <p:cNvPr id="33" name="ZoneTexte 32">
+            <a:extLst>
+              <a:ext uri="{FF2B5EF4-FFF2-40B4-BE49-F238E27FC236}">
+                <a16:creationId xmlns:a16="http://schemas.microsoft.com/office/drawing/2014/main" id="{58D551DC-146A-9EB5-726A-A3754B72B6AF}"/>
+              </a:ext>
+            </a:extLst>
+          </p:cNvPr>
+          <p:cNvSpPr txBox="1"/>
+          <p:nvPr/>
+        </p:nvSpPr>
+        <p:spPr>
+          <a:xfrm>
+            <a:off x="3676396" y="4521404"/>
+            <a:ext cx="436338" cy="307777"/>
+          </a:xfrm>
+          <a:prstGeom prst="rect">
+            <a:avLst/>
+          </a:prstGeom>
+          <a:noFill/>
+        </p:spPr>
+        <p:txBody>
+          <a:bodyPr wrap="none" rtlCol="0">
+            <a:spAutoFit/>
+          </a:bodyPr>
+          <a:lstStyle/>
+          <a:p>
+            <a:r>
+              <a:rPr lang="fr-FR" sz="1400" dirty="0"/>
+              <a:t>@1</a:t>
+            </a:r>
+          </a:p>
+        </p:txBody>
+      </p:sp>
+      <p:sp>
+        <p:nvSpPr>
+          <p:cNvPr id="35" name="ZoneTexte 34">
+            <a:extLst>
+              <a:ext uri="{FF2B5EF4-FFF2-40B4-BE49-F238E27FC236}">
+                <a16:creationId xmlns:a16="http://schemas.microsoft.com/office/drawing/2014/main" id="{9CE57EA4-3A56-B5C7-6E97-18738EABF3DC}"/>
+              </a:ext>
+            </a:extLst>
+          </p:cNvPr>
+          <p:cNvSpPr txBox="1"/>
+          <p:nvPr/>
+        </p:nvSpPr>
+        <p:spPr>
+          <a:xfrm>
+            <a:off x="2000168" y="3355826"/>
+            <a:ext cx="436338" cy="307777"/>
+          </a:xfrm>
+          <a:prstGeom prst="rect">
+            <a:avLst/>
+          </a:prstGeom>
+          <a:noFill/>
+        </p:spPr>
+        <p:txBody>
+          <a:bodyPr wrap="none" rtlCol="0">
+            <a:spAutoFit/>
+          </a:bodyPr>
+          <a:lstStyle/>
+          <a:p>
+            <a:r>
+              <a:rPr lang="fr-FR" sz="1400" dirty="0"/>
+              <a:t>@2</a:t>
+            </a:r>
+          </a:p>
+        </p:txBody>
+      </p:sp>
+      <p:sp>
+        <p:nvSpPr>
+          <p:cNvPr id="37" name="ZoneTexte 36">
+            <a:extLst>
+              <a:ext uri="{FF2B5EF4-FFF2-40B4-BE49-F238E27FC236}">
+                <a16:creationId xmlns:a16="http://schemas.microsoft.com/office/drawing/2014/main" id="{445E072E-478A-DB8D-DB40-F77C170DBFF7}"/>
+              </a:ext>
+            </a:extLst>
+          </p:cNvPr>
+          <p:cNvSpPr txBox="1"/>
+          <p:nvPr/>
+        </p:nvSpPr>
+        <p:spPr>
+          <a:xfrm>
+            <a:off x="2000168" y="2585242"/>
+            <a:ext cx="436338" cy="307777"/>
+          </a:xfrm>
+          <a:prstGeom prst="rect">
+            <a:avLst/>
+          </a:prstGeom>
+          <a:noFill/>
+        </p:spPr>
+        <p:txBody>
+          <a:bodyPr wrap="none" rtlCol="0">
+            <a:spAutoFit/>
+          </a:bodyPr>
+          <a:lstStyle/>
+          <a:p>
+            <a:r>
+              <a:rPr lang="fr-FR" sz="1400" dirty="0"/>
+              <a:t>@3</a:t>
+            </a:r>
+          </a:p>
+        </p:txBody>
+      </p:sp>
+      <p:sp>
+        <p:nvSpPr>
+          <p:cNvPr id="38" name="ZoneTexte 37">
+            <a:extLst>
+              <a:ext uri="{FF2B5EF4-FFF2-40B4-BE49-F238E27FC236}">
+                <a16:creationId xmlns:a16="http://schemas.microsoft.com/office/drawing/2014/main" id="{7B21D508-14FE-7764-74C5-10848D2D156A}"/>
+              </a:ext>
+            </a:extLst>
+          </p:cNvPr>
+          <p:cNvSpPr txBox="1"/>
+          <p:nvPr/>
+        </p:nvSpPr>
+        <p:spPr>
+          <a:xfrm>
+            <a:off x="7185021" y="6036084"/>
+            <a:ext cx="436338" cy="307777"/>
+          </a:xfrm>
+          <a:prstGeom prst="rect">
+            <a:avLst/>
+          </a:prstGeom>
+          <a:noFill/>
+        </p:spPr>
+        <p:txBody>
+          <a:bodyPr wrap="none" rtlCol="0">
+            <a:spAutoFit/>
+          </a:bodyPr>
+          <a:lstStyle/>
+          <a:p>
+            <a:r>
+              <a:rPr lang="fr-FR" sz="1400" dirty="0"/>
+              <a:t>@4</a:t>
+            </a:r>
+          </a:p>
+        </p:txBody>
+      </p:sp>
+      <p:sp>
+        <p:nvSpPr>
+          <p:cNvPr id="40" name="ZoneTexte 39">
+            <a:extLst>
+              <a:ext uri="{FF2B5EF4-FFF2-40B4-BE49-F238E27FC236}">
+                <a16:creationId xmlns:a16="http://schemas.microsoft.com/office/drawing/2014/main" id="{6D6ACB19-4BA3-1AD3-ED78-6AEA6BC7C79A}"/>
+              </a:ext>
+            </a:extLst>
+          </p:cNvPr>
+          <p:cNvSpPr txBox="1"/>
+          <p:nvPr/>
+        </p:nvSpPr>
+        <p:spPr>
+          <a:xfrm>
+            <a:off x="7182753" y="4758428"/>
+            <a:ext cx="436338" cy="307777"/>
+          </a:xfrm>
+          <a:prstGeom prst="rect">
+            <a:avLst/>
+          </a:prstGeom>
+          <a:noFill/>
+        </p:spPr>
+        <p:txBody>
+          <a:bodyPr wrap="none" rtlCol="0">
+            <a:spAutoFit/>
+          </a:bodyPr>
+          <a:lstStyle/>
+          <a:p>
+            <a:r>
+              <a:rPr lang="fr-FR" sz="1400" dirty="0"/>
+              <a:t>@5</a:t>
+            </a:r>
+          </a:p>
+        </p:txBody>
+      </p:sp>
+      <p:sp>
+        <p:nvSpPr>
+          <p:cNvPr id="41" name="ZoneTexte 40">
+            <a:extLst>
+              <a:ext uri="{FF2B5EF4-FFF2-40B4-BE49-F238E27FC236}">
+                <a16:creationId xmlns:a16="http://schemas.microsoft.com/office/drawing/2014/main" id="{62249564-8B12-2F20-FBE8-9B911B8C6F69}"/>
+              </a:ext>
+            </a:extLst>
+          </p:cNvPr>
+          <p:cNvSpPr txBox="1"/>
+          <p:nvPr/>
+        </p:nvSpPr>
+        <p:spPr>
+          <a:xfrm>
+            <a:off x="7185021" y="4046718"/>
+            <a:ext cx="436338" cy="307777"/>
+          </a:xfrm>
+          <a:prstGeom prst="rect">
+            <a:avLst/>
+          </a:prstGeom>
+          <a:noFill/>
+        </p:spPr>
+        <p:txBody>
+          <a:bodyPr wrap="none" rtlCol="0">
+            <a:spAutoFit/>
+          </a:bodyPr>
+          <a:lstStyle/>
+          <a:p>
+            <a:r>
+              <a:rPr lang="fr-FR" sz="1400" dirty="0"/>
+              <a:t>@6</a:t>
+            </a:r>
+          </a:p>
+        </p:txBody>
+      </p:sp>
+      <p:sp>
+        <p:nvSpPr>
+          <p:cNvPr id="44" name="ZoneTexte 43">
+            <a:extLst>
+              <a:ext uri="{FF2B5EF4-FFF2-40B4-BE49-F238E27FC236}">
+                <a16:creationId xmlns:a16="http://schemas.microsoft.com/office/drawing/2014/main" id="{66E85BB4-ECB3-BEC3-E0B5-5F7911F3716E}"/>
+              </a:ext>
+            </a:extLst>
+          </p:cNvPr>
+          <p:cNvSpPr txBox="1"/>
+          <p:nvPr/>
+        </p:nvSpPr>
+        <p:spPr>
+          <a:xfrm>
+            <a:off x="7185021" y="3307281"/>
+            <a:ext cx="436338" cy="307777"/>
+          </a:xfrm>
+          <a:prstGeom prst="rect">
+            <a:avLst/>
+          </a:prstGeom>
+          <a:noFill/>
+        </p:spPr>
+        <p:txBody>
+          <a:bodyPr wrap="none" rtlCol="0">
+            <a:spAutoFit/>
+          </a:bodyPr>
+          <a:lstStyle/>
+          <a:p>
+            <a:r>
+              <a:rPr lang="fr-FR" sz="1400" dirty="0"/>
+              <a:t>@7</a:t>
+            </a:r>
+          </a:p>
+        </p:txBody>
+      </p:sp>
+      <p:sp>
+        <p:nvSpPr>
+          <p:cNvPr id="45" name="ZoneTexte 44">
+            <a:extLst>
+              <a:ext uri="{FF2B5EF4-FFF2-40B4-BE49-F238E27FC236}">
+                <a16:creationId xmlns:a16="http://schemas.microsoft.com/office/drawing/2014/main" id="{BCF52F8B-DA25-DB75-57F9-2A6AC0D72130}"/>
+              </a:ext>
+            </a:extLst>
+          </p:cNvPr>
+          <p:cNvSpPr txBox="1"/>
+          <p:nvPr/>
+        </p:nvSpPr>
+        <p:spPr>
+          <a:xfrm>
+            <a:off x="7182753" y="1866586"/>
+            <a:ext cx="436338" cy="307777"/>
+          </a:xfrm>
+          <a:prstGeom prst="rect">
+            <a:avLst/>
+          </a:prstGeom>
+          <a:noFill/>
+        </p:spPr>
+        <p:txBody>
+          <a:bodyPr wrap="none" rtlCol="0">
+            <a:spAutoFit/>
+          </a:bodyPr>
+          <a:lstStyle/>
+          <a:p>
+            <a:r>
+              <a:rPr lang="fr-FR" sz="1400" dirty="0"/>
+              <a:t>@8</a:t>
+            </a:r>
+          </a:p>
+        </p:txBody>
+      </p:sp>
+      <p:sp>
+        <p:nvSpPr>
+          <p:cNvPr id="47" name="ZoneTexte 46">
+            <a:extLst>
+              <a:ext uri="{FF2B5EF4-FFF2-40B4-BE49-F238E27FC236}">
+                <a16:creationId xmlns:a16="http://schemas.microsoft.com/office/drawing/2014/main" id="{1C4FDCB7-7C04-0857-4D42-1703E2EAE135}"/>
+              </a:ext>
+            </a:extLst>
+          </p:cNvPr>
+          <p:cNvSpPr txBox="1"/>
+          <p:nvPr/>
+        </p:nvSpPr>
+        <p:spPr>
+          <a:xfrm>
+            <a:off x="7202827" y="1104230"/>
+            <a:ext cx="436338" cy="307777"/>
+          </a:xfrm>
+          <a:prstGeom prst="rect">
+            <a:avLst/>
+          </a:prstGeom>
+          <a:noFill/>
+        </p:spPr>
+        <p:txBody>
+          <a:bodyPr wrap="none" rtlCol="0">
+            <a:spAutoFit/>
+          </a:bodyPr>
+          <a:lstStyle/>
+          <a:p>
+            <a:r>
+              <a:rPr lang="fr-FR" sz="1400" dirty="0"/>
+              <a:t>@9</a:t>
+            </a:r>
+          </a:p>
+        </p:txBody>
+      </p:sp>
+      <p:sp>
+        <p:nvSpPr>
+          <p:cNvPr id="48" name="ZoneTexte 47">
+            <a:extLst>
+              <a:ext uri="{FF2B5EF4-FFF2-40B4-BE49-F238E27FC236}">
+                <a16:creationId xmlns:a16="http://schemas.microsoft.com/office/drawing/2014/main" id="{B6CCC06B-60EF-43FC-F1F8-67F7CCD90A22}"/>
+              </a:ext>
+            </a:extLst>
+          </p:cNvPr>
+          <p:cNvSpPr txBox="1"/>
+          <p:nvPr/>
+        </p:nvSpPr>
+        <p:spPr>
+          <a:xfrm>
+            <a:off x="7202827" y="327233"/>
+            <a:ext cx="527709" cy="307777"/>
+          </a:xfrm>
+          <a:prstGeom prst="rect">
+            <a:avLst/>
+          </a:prstGeom>
+          <a:noFill/>
+        </p:spPr>
+        <p:txBody>
+          <a:bodyPr wrap="none" rtlCol="0">
+            <a:spAutoFit/>
+          </a:bodyPr>
+          <a:lstStyle/>
+          <a:p>
+            <a:r>
+              <a:rPr lang="fr-FR" sz="1400" dirty="0"/>
+              <a:t>@10</a:t>
+            </a:r>
+          </a:p>
+        </p:txBody>
+      </p:sp>
+      <p:sp>
+        <p:nvSpPr>
+          <p:cNvPr id="49" name="ZoneTexte 48">
+            <a:extLst>
+              <a:ext uri="{FF2B5EF4-FFF2-40B4-BE49-F238E27FC236}">
+                <a16:creationId xmlns:a16="http://schemas.microsoft.com/office/drawing/2014/main" id="{BAFE592F-DE16-0B62-E418-1C3903288ACD}"/>
+              </a:ext>
+            </a:extLst>
+          </p:cNvPr>
+          <p:cNvSpPr txBox="1"/>
+          <p:nvPr/>
+        </p:nvSpPr>
+        <p:spPr>
+          <a:xfrm>
+            <a:off x="4112734" y="322191"/>
+            <a:ext cx="527709" cy="307777"/>
+          </a:xfrm>
+          <a:prstGeom prst="rect">
+            <a:avLst/>
+          </a:prstGeom>
+          <a:noFill/>
+        </p:spPr>
+        <p:txBody>
+          <a:bodyPr wrap="none" rtlCol="0">
+            <a:spAutoFit/>
+          </a:bodyPr>
+          <a:lstStyle/>
+          <a:p>
+            <a:r>
+              <a:rPr lang="fr-FR" sz="1400" dirty="0"/>
+              <a:t>@11</a:t>
+            </a:r>
+          </a:p>
+        </p:txBody>
+      </p:sp>
+      <p:sp>
+        <p:nvSpPr>
+          <p:cNvPr id="50" name="ZoneTexte 49">
+            <a:extLst>
+              <a:ext uri="{FF2B5EF4-FFF2-40B4-BE49-F238E27FC236}">
+                <a16:creationId xmlns:a16="http://schemas.microsoft.com/office/drawing/2014/main" id="{2A0A2646-F736-231F-C1CA-1826E73E63AB}"/>
+              </a:ext>
+            </a:extLst>
+          </p:cNvPr>
+          <p:cNvSpPr txBox="1"/>
+          <p:nvPr/>
+        </p:nvSpPr>
+        <p:spPr>
+          <a:xfrm>
+            <a:off x="4112734" y="1164144"/>
+            <a:ext cx="527709" cy="307777"/>
+          </a:xfrm>
+          <a:prstGeom prst="rect">
+            <a:avLst/>
+          </a:prstGeom>
+          <a:noFill/>
+        </p:spPr>
+        <p:txBody>
+          <a:bodyPr wrap="none" rtlCol="0">
+            <a:spAutoFit/>
+          </a:bodyPr>
+          <a:lstStyle/>
+          <a:p>
+            <a:r>
+              <a:rPr lang="fr-FR" sz="1400" dirty="0"/>
+              <a:t>@12</a:t>
+            </a:r>
+          </a:p>
+        </p:txBody>
+      </p:sp>
+      <p:sp>
+        <p:nvSpPr>
+          <p:cNvPr id="51" name="ZoneTexte 50">
+            <a:extLst>
+              <a:ext uri="{FF2B5EF4-FFF2-40B4-BE49-F238E27FC236}">
+                <a16:creationId xmlns:a16="http://schemas.microsoft.com/office/drawing/2014/main" id="{26F017FF-CD90-CF2B-9533-818A3CEFADFE}"/>
+              </a:ext>
+            </a:extLst>
+          </p:cNvPr>
+          <p:cNvSpPr txBox="1"/>
+          <p:nvPr/>
+        </p:nvSpPr>
+        <p:spPr>
+          <a:xfrm>
+            <a:off x="4094303" y="1877607"/>
+            <a:ext cx="527709" cy="307777"/>
+          </a:xfrm>
+          <a:prstGeom prst="rect">
+            <a:avLst/>
+          </a:prstGeom>
+          <a:noFill/>
+        </p:spPr>
+        <p:txBody>
+          <a:bodyPr wrap="none" rtlCol="0">
+            <a:spAutoFit/>
+          </a:bodyPr>
+          <a:lstStyle/>
+          <a:p>
+            <a:r>
+              <a:rPr lang="fr-FR" sz="1400" dirty="0"/>
+              <a:t>@13</a:t>
+            </a:r>
+          </a:p>
+        </p:txBody>
+      </p:sp>
     </p:spTree>
     <p:extLst>
       <p:ext uri="{BB962C8B-B14F-4D97-AF65-F5344CB8AC3E}">
@@ -5150,6 +6344,1038 @@
 </file>
 
 <file path=ppt/slides/slide3.xml><?xml version="1.0" encoding="utf-8"?>
+<p:sld xmlns:a="http://schemas.openxmlformats.org/drawingml/2006/main" xmlns:r="http://schemas.openxmlformats.org/officeDocument/2006/relationships" xmlns:p="http://schemas.openxmlformats.org/presentationml/2006/main">
+  <p:cSld>
+    <p:spTree>
+      <p:nvGrpSpPr>
+        <p:cNvPr id="1" name="">
+          <a:extLst>
+            <a:ext uri="{FF2B5EF4-FFF2-40B4-BE49-F238E27FC236}">
+              <a16:creationId xmlns:a16="http://schemas.microsoft.com/office/drawing/2014/main" id="{0C68C73D-18B6-6850-8C6D-95A8185CD1F1}"/>
+            </a:ext>
+          </a:extLst>
+        </p:cNvPr>
+        <p:cNvGrpSpPr/>
+        <p:nvPr/>
+      </p:nvGrpSpPr>
+      <p:grpSpPr>
+        <a:xfrm>
+          <a:off x="0" y="0"/>
+          <a:ext cx="0" cy="0"/>
+          <a:chOff x="0" y="0"/>
+          <a:chExt cx="0" cy="0"/>
+        </a:xfrm>
+      </p:grpSpPr>
+      <p:sp>
+        <p:nvSpPr>
+          <p:cNvPr id="4" name="Rectangle : coins arrondis 3">
+            <a:extLst>
+              <a:ext uri="{FF2B5EF4-FFF2-40B4-BE49-F238E27FC236}">
+                <a16:creationId xmlns:a16="http://schemas.microsoft.com/office/drawing/2014/main" id="{10431627-3D0F-5C0E-170A-03745BD395E2}"/>
+              </a:ext>
+            </a:extLst>
+          </p:cNvPr>
+          <p:cNvSpPr/>
+          <p:nvPr/>
+        </p:nvSpPr>
+        <p:spPr>
+          <a:xfrm>
+            <a:off x="6304910" y="1787406"/>
+            <a:ext cx="1195057" cy="615635"/>
+          </a:xfrm>
+          <a:prstGeom prst="roundRect">
+            <a:avLst/>
+          </a:prstGeom>
+        </p:spPr>
+        <p:style>
+          <a:lnRef idx="2">
+            <a:schemeClr val="accent1">
+              <a:shade val="15000"/>
+            </a:schemeClr>
+          </a:lnRef>
+          <a:fillRef idx="1">
+            <a:schemeClr val="accent1"/>
+          </a:fillRef>
+          <a:effectRef idx="0">
+            <a:schemeClr val="accent1"/>
+          </a:effectRef>
+          <a:fontRef idx="minor">
+            <a:schemeClr val="lt1"/>
+          </a:fontRef>
+        </p:style>
+        <p:txBody>
+          <a:bodyPr rtlCol="0" anchor="ctr"/>
+          <a:lstStyle/>
+          <a:p>
+            <a:pPr algn="ctr"/>
+            <a:r>
+              <a:rPr lang="fr-FR" dirty="0"/>
+              <a:t>Maître</a:t>
+            </a:r>
+          </a:p>
+          <a:p>
+            <a:pPr algn="ctr"/>
+            <a:r>
+              <a:rPr lang="fr-FR" dirty="0"/>
+              <a:t>Nord</a:t>
+            </a:r>
+          </a:p>
+        </p:txBody>
+      </p:sp>
+      <p:sp>
+        <p:nvSpPr>
+          <p:cNvPr id="6" name="Flèche : chevron 5">
+            <a:extLst>
+              <a:ext uri="{FF2B5EF4-FFF2-40B4-BE49-F238E27FC236}">
+                <a16:creationId xmlns:a16="http://schemas.microsoft.com/office/drawing/2014/main" id="{EA11245A-6CFC-68CF-7B2A-80C0CDEEA852}"/>
+              </a:ext>
+            </a:extLst>
+          </p:cNvPr>
+          <p:cNvSpPr/>
+          <p:nvPr/>
+        </p:nvSpPr>
+        <p:spPr>
+          <a:xfrm>
+            <a:off x="6298580" y="1007536"/>
+            <a:ext cx="1314230" cy="434567"/>
+          </a:xfrm>
+          <a:prstGeom prst="chevron">
+            <a:avLst/>
+          </a:prstGeom>
+        </p:spPr>
+        <p:style>
+          <a:lnRef idx="2">
+            <a:schemeClr val="accent1">
+              <a:shade val="15000"/>
+            </a:schemeClr>
+          </a:lnRef>
+          <a:fillRef idx="1">
+            <a:schemeClr val="accent1"/>
+          </a:fillRef>
+          <a:effectRef idx="0">
+            <a:schemeClr val="accent1"/>
+          </a:effectRef>
+          <a:fontRef idx="minor">
+            <a:schemeClr val="lt1"/>
+          </a:fontRef>
+        </p:style>
+        <p:txBody>
+          <a:bodyPr rtlCol="0" anchor="ctr"/>
+          <a:lstStyle/>
+          <a:p>
+            <a:pPr algn="ctr"/>
+            <a:r>
+              <a:rPr lang="fr-FR" dirty="0">
+                <a:solidFill>
+                  <a:schemeClr val="bg1"/>
+                </a:solidFill>
+              </a:rPr>
+              <a:t>Pompe</a:t>
+            </a:r>
+          </a:p>
+        </p:txBody>
+      </p:sp>
+      <p:sp>
+        <p:nvSpPr>
+          <p:cNvPr id="14" name="Organigramme : Disque magnétique 13">
+            <a:extLst>
+              <a:ext uri="{FF2B5EF4-FFF2-40B4-BE49-F238E27FC236}">
+                <a16:creationId xmlns:a16="http://schemas.microsoft.com/office/drawing/2014/main" id="{E49B4DF8-E3E4-C5EF-1B5D-2B5177F60357}"/>
+              </a:ext>
+            </a:extLst>
+          </p:cNvPr>
+          <p:cNvSpPr/>
+          <p:nvPr/>
+        </p:nvSpPr>
+        <p:spPr>
+          <a:xfrm>
+            <a:off x="4994062" y="802787"/>
+            <a:ext cx="1195056" cy="829398"/>
+          </a:xfrm>
+          <a:prstGeom prst="flowChartMagneticDisk">
+            <a:avLst/>
+          </a:prstGeom>
+        </p:spPr>
+        <p:style>
+          <a:lnRef idx="2">
+            <a:schemeClr val="accent4">
+              <a:shade val="15000"/>
+            </a:schemeClr>
+          </a:lnRef>
+          <a:fillRef idx="1">
+            <a:schemeClr val="accent4"/>
+          </a:fillRef>
+          <a:effectRef idx="0">
+            <a:schemeClr val="accent4"/>
+          </a:effectRef>
+          <a:fontRef idx="minor">
+            <a:schemeClr val="lt1"/>
+          </a:fontRef>
+        </p:style>
+        <p:txBody>
+          <a:bodyPr rtlCol="0" anchor="ctr"/>
+          <a:lstStyle/>
+          <a:p>
+            <a:pPr algn="ctr"/>
+            <a:r>
+              <a:rPr lang="fr-FR" dirty="0"/>
+              <a:t>150L</a:t>
+            </a:r>
+          </a:p>
+        </p:txBody>
+      </p:sp>
+      <p:sp>
+        <p:nvSpPr>
+          <p:cNvPr id="22" name="Organigramme : Opération manuelle 21">
+            <a:extLst>
+              <a:ext uri="{FF2B5EF4-FFF2-40B4-BE49-F238E27FC236}">
+                <a16:creationId xmlns:a16="http://schemas.microsoft.com/office/drawing/2014/main" id="{C6B2582E-D1AA-042B-5179-4376364A73D5}"/>
+              </a:ext>
+            </a:extLst>
+          </p:cNvPr>
+          <p:cNvSpPr/>
+          <p:nvPr/>
+        </p:nvSpPr>
+        <p:spPr>
+          <a:xfrm>
+            <a:off x="5356253" y="3126222"/>
+            <a:ext cx="857064" cy="365554"/>
+          </a:xfrm>
+          <a:prstGeom prst="flowChartManualOperation">
+            <a:avLst/>
+          </a:prstGeom>
+        </p:spPr>
+        <p:style>
+          <a:lnRef idx="2">
+            <a:schemeClr val="accent6">
+              <a:shade val="15000"/>
+            </a:schemeClr>
+          </a:lnRef>
+          <a:fillRef idx="1">
+            <a:schemeClr val="accent6"/>
+          </a:fillRef>
+          <a:effectRef idx="0">
+            <a:schemeClr val="accent6"/>
+          </a:effectRef>
+          <a:fontRef idx="minor">
+            <a:schemeClr val="lt1"/>
+          </a:fontRef>
+        </p:style>
+        <p:txBody>
+          <a:bodyPr vert="horz" rtlCol="0" anchor="ctr"/>
+          <a:lstStyle/>
+          <a:p>
+            <a:pPr algn="ctr"/>
+            <a:r>
+              <a:rPr lang="fr-FR" sz="1200" dirty="0"/>
+              <a:t>Oya</a:t>
+            </a:r>
+          </a:p>
+        </p:txBody>
+      </p:sp>
+      <p:sp>
+        <p:nvSpPr>
+          <p:cNvPr id="23" name="Organigramme : Opération manuelle 22">
+            <a:extLst>
+              <a:ext uri="{FF2B5EF4-FFF2-40B4-BE49-F238E27FC236}">
+                <a16:creationId xmlns:a16="http://schemas.microsoft.com/office/drawing/2014/main" id="{BB8F8726-AB9B-2141-3B42-EDF8A5150F72}"/>
+              </a:ext>
+            </a:extLst>
+          </p:cNvPr>
+          <p:cNvSpPr/>
+          <p:nvPr/>
+        </p:nvSpPr>
+        <p:spPr>
+          <a:xfrm>
+            <a:off x="9012950" y="3098756"/>
+            <a:ext cx="857064" cy="365554"/>
+          </a:xfrm>
+          <a:prstGeom prst="flowChartManualOperation">
+            <a:avLst/>
+          </a:prstGeom>
+        </p:spPr>
+        <p:style>
+          <a:lnRef idx="2">
+            <a:schemeClr val="accent6">
+              <a:shade val="15000"/>
+            </a:schemeClr>
+          </a:lnRef>
+          <a:fillRef idx="1">
+            <a:schemeClr val="accent6"/>
+          </a:fillRef>
+          <a:effectRef idx="0">
+            <a:schemeClr val="accent6"/>
+          </a:effectRef>
+          <a:fontRef idx="minor">
+            <a:schemeClr val="lt1"/>
+          </a:fontRef>
+        </p:style>
+        <p:txBody>
+          <a:bodyPr vert="horz" rtlCol="0" anchor="ctr"/>
+          <a:lstStyle/>
+          <a:p>
+            <a:pPr algn="ctr"/>
+            <a:r>
+              <a:rPr lang="fr-FR" sz="1200" dirty="0"/>
+              <a:t>Oya</a:t>
+            </a:r>
+          </a:p>
+        </p:txBody>
+      </p:sp>
+      <p:sp>
+        <p:nvSpPr>
+          <p:cNvPr id="24" name="Organigramme : Opération manuelle 23">
+            <a:extLst>
+              <a:ext uri="{FF2B5EF4-FFF2-40B4-BE49-F238E27FC236}">
+                <a16:creationId xmlns:a16="http://schemas.microsoft.com/office/drawing/2014/main" id="{38E3A550-32B0-F00D-FF27-116DDB3288B6}"/>
+              </a:ext>
+            </a:extLst>
+          </p:cNvPr>
+          <p:cNvSpPr/>
+          <p:nvPr/>
+        </p:nvSpPr>
+        <p:spPr>
+          <a:xfrm>
+            <a:off x="4357909" y="3126222"/>
+            <a:ext cx="857064" cy="365554"/>
+          </a:xfrm>
+          <a:prstGeom prst="flowChartManualOperation">
+            <a:avLst/>
+          </a:prstGeom>
+        </p:spPr>
+        <p:style>
+          <a:lnRef idx="2">
+            <a:schemeClr val="accent6">
+              <a:shade val="15000"/>
+            </a:schemeClr>
+          </a:lnRef>
+          <a:fillRef idx="1">
+            <a:schemeClr val="accent6"/>
+          </a:fillRef>
+          <a:effectRef idx="0">
+            <a:schemeClr val="accent6"/>
+          </a:effectRef>
+          <a:fontRef idx="minor">
+            <a:schemeClr val="lt1"/>
+          </a:fontRef>
+        </p:style>
+        <p:txBody>
+          <a:bodyPr vert="horz" rtlCol="0" anchor="ctr"/>
+          <a:lstStyle/>
+          <a:p>
+            <a:pPr algn="ctr"/>
+            <a:r>
+              <a:rPr lang="fr-FR" sz="1200" dirty="0"/>
+              <a:t>Oya</a:t>
+            </a:r>
+          </a:p>
+        </p:txBody>
+      </p:sp>
+      <p:sp>
+        <p:nvSpPr>
+          <p:cNvPr id="25" name="Organigramme : Opération manuelle 24">
+            <a:extLst>
+              <a:ext uri="{FF2B5EF4-FFF2-40B4-BE49-F238E27FC236}">
+                <a16:creationId xmlns:a16="http://schemas.microsoft.com/office/drawing/2014/main" id="{1D917E1C-9ED7-63F7-BD6D-83D6C6B4C022}"/>
+              </a:ext>
+            </a:extLst>
+          </p:cNvPr>
+          <p:cNvSpPr/>
+          <p:nvPr/>
+        </p:nvSpPr>
+        <p:spPr>
+          <a:xfrm>
+            <a:off x="2589760" y="3126222"/>
+            <a:ext cx="857064" cy="365554"/>
+          </a:xfrm>
+          <a:prstGeom prst="flowChartManualOperation">
+            <a:avLst/>
+          </a:prstGeom>
+        </p:spPr>
+        <p:style>
+          <a:lnRef idx="2">
+            <a:schemeClr val="accent6">
+              <a:shade val="15000"/>
+            </a:schemeClr>
+          </a:lnRef>
+          <a:fillRef idx="1">
+            <a:schemeClr val="accent6"/>
+          </a:fillRef>
+          <a:effectRef idx="0">
+            <a:schemeClr val="accent6"/>
+          </a:effectRef>
+          <a:fontRef idx="minor">
+            <a:schemeClr val="lt1"/>
+          </a:fontRef>
+        </p:style>
+        <p:txBody>
+          <a:bodyPr vert="horz" rtlCol="0" anchor="ctr"/>
+          <a:lstStyle/>
+          <a:p>
+            <a:pPr algn="ctr"/>
+            <a:r>
+              <a:rPr lang="fr-FR" sz="1200" dirty="0"/>
+              <a:t>Oya</a:t>
+            </a:r>
+          </a:p>
+        </p:txBody>
+      </p:sp>
+      <p:cxnSp>
+        <p:nvCxnSpPr>
+          <p:cNvPr id="27" name="Connecteur droit avec flèche 26">
+            <a:extLst>
+              <a:ext uri="{FF2B5EF4-FFF2-40B4-BE49-F238E27FC236}">
+                <a16:creationId xmlns:a16="http://schemas.microsoft.com/office/drawing/2014/main" id="{0210954D-7881-55EE-2B3F-F38ED6944033}"/>
+              </a:ext>
+            </a:extLst>
+          </p:cNvPr>
+          <p:cNvCxnSpPr>
+            <a:cxnSpLocks/>
+          </p:cNvCxnSpPr>
+          <p:nvPr/>
+        </p:nvCxnSpPr>
+        <p:spPr>
+          <a:xfrm flipV="1">
+            <a:off x="6870711" y="1490410"/>
+            <a:ext cx="0" cy="247836"/>
+          </a:xfrm>
+          <a:prstGeom prst="straightConnector1">
+            <a:avLst/>
+          </a:prstGeom>
+          <a:ln>
+            <a:headEnd type="triangle"/>
+            <a:tailEnd type="triangle"/>
+          </a:ln>
+        </p:spPr>
+        <p:style>
+          <a:lnRef idx="2">
+            <a:schemeClr val="dk1"/>
+          </a:lnRef>
+          <a:fillRef idx="0">
+            <a:schemeClr val="dk1"/>
+          </a:fillRef>
+          <a:effectRef idx="1">
+            <a:schemeClr val="dk1"/>
+          </a:effectRef>
+          <a:fontRef idx="minor">
+            <a:schemeClr val="tx1"/>
+          </a:fontRef>
+        </p:style>
+      </p:cxnSp>
+      <p:sp>
+        <p:nvSpPr>
+          <p:cNvPr id="34" name="Organigramme : Opération manuelle 33">
+            <a:extLst>
+              <a:ext uri="{FF2B5EF4-FFF2-40B4-BE49-F238E27FC236}">
+                <a16:creationId xmlns:a16="http://schemas.microsoft.com/office/drawing/2014/main" id="{B3F83595-8934-2BDC-5734-2F423C337B0D}"/>
+              </a:ext>
+            </a:extLst>
+          </p:cNvPr>
+          <p:cNvSpPr/>
+          <p:nvPr/>
+        </p:nvSpPr>
+        <p:spPr>
+          <a:xfrm>
+            <a:off x="7211661" y="3097336"/>
+            <a:ext cx="857064" cy="365554"/>
+          </a:xfrm>
+          <a:prstGeom prst="flowChartManualOperation">
+            <a:avLst/>
+          </a:prstGeom>
+        </p:spPr>
+        <p:style>
+          <a:lnRef idx="2">
+            <a:schemeClr val="accent6">
+              <a:shade val="15000"/>
+            </a:schemeClr>
+          </a:lnRef>
+          <a:fillRef idx="1">
+            <a:schemeClr val="accent6"/>
+          </a:fillRef>
+          <a:effectRef idx="0">
+            <a:schemeClr val="accent6"/>
+          </a:effectRef>
+          <a:fontRef idx="minor">
+            <a:schemeClr val="lt1"/>
+          </a:fontRef>
+        </p:style>
+        <p:txBody>
+          <a:bodyPr vert="horz" rtlCol="0" anchor="ctr"/>
+          <a:lstStyle/>
+          <a:p>
+            <a:pPr algn="ctr"/>
+            <a:r>
+              <a:rPr lang="fr-FR" sz="1200" dirty="0"/>
+              <a:t>Oya</a:t>
+            </a:r>
+          </a:p>
+        </p:txBody>
+      </p:sp>
+      <p:cxnSp>
+        <p:nvCxnSpPr>
+          <p:cNvPr id="36" name="Connecteur droit avec flèche 35">
+            <a:extLst>
+              <a:ext uri="{FF2B5EF4-FFF2-40B4-BE49-F238E27FC236}">
+                <a16:creationId xmlns:a16="http://schemas.microsoft.com/office/drawing/2014/main" id="{8029A190-0ED4-C329-AB7A-B402B05A4C59}"/>
+              </a:ext>
+            </a:extLst>
+          </p:cNvPr>
+          <p:cNvCxnSpPr>
+            <a:cxnSpLocks/>
+          </p:cNvCxnSpPr>
+          <p:nvPr/>
+        </p:nvCxnSpPr>
+        <p:spPr>
+          <a:xfrm>
+            <a:off x="8068725" y="3271389"/>
+            <a:ext cx="909460" cy="17447"/>
+          </a:xfrm>
+          <a:prstGeom prst="straightConnector1">
+            <a:avLst/>
+          </a:prstGeom>
+          <a:ln>
+            <a:prstDash val="lgDash"/>
+            <a:headEnd type="triangle"/>
+            <a:tailEnd type="triangle"/>
+          </a:ln>
+        </p:spPr>
+        <p:style>
+          <a:lnRef idx="2">
+            <a:schemeClr val="dk1"/>
+          </a:lnRef>
+          <a:fillRef idx="0">
+            <a:schemeClr val="dk1"/>
+          </a:fillRef>
+          <a:effectRef idx="1">
+            <a:schemeClr val="dk1"/>
+          </a:effectRef>
+          <a:fontRef idx="minor">
+            <a:schemeClr val="tx1"/>
+          </a:fontRef>
+        </p:style>
+      </p:cxnSp>
+      <p:cxnSp>
+        <p:nvCxnSpPr>
+          <p:cNvPr id="46" name="Connecteur droit avec flèche 45">
+            <a:extLst>
+              <a:ext uri="{FF2B5EF4-FFF2-40B4-BE49-F238E27FC236}">
+                <a16:creationId xmlns:a16="http://schemas.microsoft.com/office/drawing/2014/main" id="{BD311F81-68B2-46BC-EB7B-9300604ED04E}"/>
+              </a:ext>
+            </a:extLst>
+          </p:cNvPr>
+          <p:cNvCxnSpPr>
+            <a:cxnSpLocks/>
+          </p:cNvCxnSpPr>
+          <p:nvPr/>
+        </p:nvCxnSpPr>
+        <p:spPr>
+          <a:xfrm>
+            <a:off x="7714320" y="1254315"/>
+            <a:ext cx="1655820" cy="1754356"/>
+          </a:xfrm>
+          <a:prstGeom prst="straightConnector1">
+            <a:avLst/>
+          </a:prstGeom>
+          <a:ln>
+            <a:prstDash val="lgDash"/>
+            <a:headEnd type="triangle"/>
+            <a:tailEnd type="triangle"/>
+          </a:ln>
+        </p:spPr>
+        <p:style>
+          <a:lnRef idx="2">
+            <a:schemeClr val="dk1"/>
+          </a:lnRef>
+          <a:fillRef idx="0">
+            <a:schemeClr val="dk1"/>
+          </a:fillRef>
+          <a:effectRef idx="1">
+            <a:schemeClr val="dk1"/>
+          </a:effectRef>
+          <a:fontRef idx="minor">
+            <a:schemeClr val="tx1"/>
+          </a:fontRef>
+        </p:style>
+      </p:cxnSp>
+      <p:cxnSp>
+        <p:nvCxnSpPr>
+          <p:cNvPr id="7" name="Connecteur droit avec flèche 6">
+            <a:extLst>
+              <a:ext uri="{FF2B5EF4-FFF2-40B4-BE49-F238E27FC236}">
+                <a16:creationId xmlns:a16="http://schemas.microsoft.com/office/drawing/2014/main" id="{EA910A09-CB4E-6F6B-545F-6FE680C3214B}"/>
+              </a:ext>
+            </a:extLst>
+          </p:cNvPr>
+          <p:cNvCxnSpPr>
+            <a:cxnSpLocks/>
+          </p:cNvCxnSpPr>
+          <p:nvPr/>
+        </p:nvCxnSpPr>
+        <p:spPr>
+          <a:xfrm>
+            <a:off x="6232423" y="3288836"/>
+            <a:ext cx="909460" cy="17447"/>
+          </a:xfrm>
+          <a:prstGeom prst="straightConnector1">
+            <a:avLst/>
+          </a:prstGeom>
+          <a:ln>
+            <a:prstDash val="lgDash"/>
+            <a:headEnd type="triangle"/>
+            <a:tailEnd type="triangle"/>
+          </a:ln>
+        </p:spPr>
+        <p:style>
+          <a:lnRef idx="2">
+            <a:schemeClr val="dk1"/>
+          </a:lnRef>
+          <a:fillRef idx="0">
+            <a:schemeClr val="dk1"/>
+          </a:fillRef>
+          <a:effectRef idx="1">
+            <a:schemeClr val="dk1"/>
+          </a:effectRef>
+          <a:fontRef idx="minor">
+            <a:schemeClr val="tx1"/>
+          </a:fontRef>
+        </p:style>
+      </p:cxnSp>
+      <p:cxnSp>
+        <p:nvCxnSpPr>
+          <p:cNvPr id="8" name="Connecteur droit avec flèche 7">
+            <a:extLst>
+              <a:ext uri="{FF2B5EF4-FFF2-40B4-BE49-F238E27FC236}">
+                <a16:creationId xmlns:a16="http://schemas.microsoft.com/office/drawing/2014/main" id="{8D1D9198-D0ED-86F4-5184-8A3D85FE39E2}"/>
+              </a:ext>
+            </a:extLst>
+          </p:cNvPr>
+          <p:cNvCxnSpPr>
+            <a:cxnSpLocks/>
+          </p:cNvCxnSpPr>
+          <p:nvPr/>
+        </p:nvCxnSpPr>
+        <p:spPr>
+          <a:xfrm>
+            <a:off x="5195834" y="3297559"/>
+            <a:ext cx="184327" cy="8633"/>
+          </a:xfrm>
+          <a:prstGeom prst="straightConnector1">
+            <a:avLst/>
+          </a:prstGeom>
+          <a:ln>
+            <a:headEnd type="triangle"/>
+            <a:tailEnd type="triangle"/>
+          </a:ln>
+        </p:spPr>
+        <p:style>
+          <a:lnRef idx="2">
+            <a:schemeClr val="dk1"/>
+          </a:lnRef>
+          <a:fillRef idx="0">
+            <a:schemeClr val="dk1"/>
+          </a:fillRef>
+          <a:effectRef idx="1">
+            <a:schemeClr val="dk1"/>
+          </a:effectRef>
+          <a:fontRef idx="minor">
+            <a:schemeClr val="tx1"/>
+          </a:fontRef>
+        </p:style>
+      </p:cxnSp>
+      <p:cxnSp>
+        <p:nvCxnSpPr>
+          <p:cNvPr id="9" name="Connecteur droit avec flèche 8">
+            <a:extLst>
+              <a:ext uri="{FF2B5EF4-FFF2-40B4-BE49-F238E27FC236}">
+                <a16:creationId xmlns:a16="http://schemas.microsoft.com/office/drawing/2014/main" id="{3232E845-8246-D0F3-32C4-91A848DA2921}"/>
+              </a:ext>
+            </a:extLst>
+          </p:cNvPr>
+          <p:cNvCxnSpPr>
+            <a:cxnSpLocks/>
+          </p:cNvCxnSpPr>
+          <p:nvPr/>
+        </p:nvCxnSpPr>
+        <p:spPr>
+          <a:xfrm>
+            <a:off x="3413684" y="3306192"/>
+            <a:ext cx="909460" cy="17447"/>
+          </a:xfrm>
+          <a:prstGeom prst="straightConnector1">
+            <a:avLst/>
+          </a:prstGeom>
+          <a:ln>
+            <a:prstDash val="lgDash"/>
+            <a:headEnd type="triangle"/>
+            <a:tailEnd type="triangle"/>
+          </a:ln>
+        </p:spPr>
+        <p:style>
+          <a:lnRef idx="2">
+            <a:schemeClr val="dk1"/>
+          </a:lnRef>
+          <a:fillRef idx="0">
+            <a:schemeClr val="dk1"/>
+          </a:fillRef>
+          <a:effectRef idx="1">
+            <a:schemeClr val="dk1"/>
+          </a:effectRef>
+          <a:fontRef idx="minor">
+            <a:schemeClr val="tx1"/>
+          </a:fontRef>
+        </p:style>
+      </p:cxnSp>
+      <p:sp>
+        <p:nvSpPr>
+          <p:cNvPr id="13" name="Organigramme : Opération manuelle 12">
+            <a:extLst>
+              <a:ext uri="{FF2B5EF4-FFF2-40B4-BE49-F238E27FC236}">
+                <a16:creationId xmlns:a16="http://schemas.microsoft.com/office/drawing/2014/main" id="{3C2A6AD6-86E5-F6CC-A4CB-49E0EC1EE009}"/>
+              </a:ext>
+            </a:extLst>
+          </p:cNvPr>
+          <p:cNvSpPr/>
+          <p:nvPr/>
+        </p:nvSpPr>
+        <p:spPr>
+          <a:xfrm>
+            <a:off x="821611" y="3132138"/>
+            <a:ext cx="857064" cy="365554"/>
+          </a:xfrm>
+          <a:prstGeom prst="flowChartManualOperation">
+            <a:avLst/>
+          </a:prstGeom>
+        </p:spPr>
+        <p:style>
+          <a:lnRef idx="2">
+            <a:schemeClr val="accent6">
+              <a:shade val="15000"/>
+            </a:schemeClr>
+          </a:lnRef>
+          <a:fillRef idx="1">
+            <a:schemeClr val="accent6"/>
+          </a:fillRef>
+          <a:effectRef idx="0">
+            <a:schemeClr val="accent6"/>
+          </a:effectRef>
+          <a:fontRef idx="minor">
+            <a:schemeClr val="lt1"/>
+          </a:fontRef>
+        </p:style>
+        <p:txBody>
+          <a:bodyPr vert="horz" rtlCol="0" anchor="ctr"/>
+          <a:lstStyle/>
+          <a:p>
+            <a:pPr algn="ctr"/>
+            <a:r>
+              <a:rPr lang="fr-FR" sz="1200" dirty="0"/>
+              <a:t>Oya</a:t>
+            </a:r>
+          </a:p>
+        </p:txBody>
+      </p:sp>
+      <p:cxnSp>
+        <p:nvCxnSpPr>
+          <p:cNvPr id="15" name="Connecteur droit avec flèche 14">
+            <a:extLst>
+              <a:ext uri="{FF2B5EF4-FFF2-40B4-BE49-F238E27FC236}">
+                <a16:creationId xmlns:a16="http://schemas.microsoft.com/office/drawing/2014/main" id="{DC0BCEF5-C9CB-07E3-F0E5-02AFF91F7C7B}"/>
+              </a:ext>
+            </a:extLst>
+          </p:cNvPr>
+          <p:cNvCxnSpPr>
+            <a:cxnSpLocks/>
+          </p:cNvCxnSpPr>
+          <p:nvPr/>
+        </p:nvCxnSpPr>
+        <p:spPr>
+          <a:xfrm>
+            <a:off x="1680300" y="3308715"/>
+            <a:ext cx="909460" cy="17447"/>
+          </a:xfrm>
+          <a:prstGeom prst="straightConnector1">
+            <a:avLst/>
+          </a:prstGeom>
+          <a:ln>
+            <a:prstDash val="lgDash"/>
+            <a:headEnd type="triangle"/>
+            <a:tailEnd type="triangle"/>
+          </a:ln>
+        </p:spPr>
+        <p:style>
+          <a:lnRef idx="2">
+            <a:schemeClr val="dk1"/>
+          </a:lnRef>
+          <a:fillRef idx="0">
+            <a:schemeClr val="dk1"/>
+          </a:fillRef>
+          <a:effectRef idx="1">
+            <a:schemeClr val="dk1"/>
+          </a:effectRef>
+          <a:fontRef idx="minor">
+            <a:schemeClr val="tx1"/>
+          </a:fontRef>
+        </p:style>
+      </p:cxnSp>
+      <p:sp>
+        <p:nvSpPr>
+          <p:cNvPr id="18" name="ZoneTexte 17">
+            <a:extLst>
+              <a:ext uri="{FF2B5EF4-FFF2-40B4-BE49-F238E27FC236}">
+                <a16:creationId xmlns:a16="http://schemas.microsoft.com/office/drawing/2014/main" id="{E1E5C081-9BC3-22B7-A307-719ADD79A8EE}"/>
+              </a:ext>
+            </a:extLst>
+          </p:cNvPr>
+          <p:cNvSpPr txBox="1"/>
+          <p:nvPr/>
+        </p:nvSpPr>
+        <p:spPr>
+          <a:xfrm>
+            <a:off x="9223313" y="3462890"/>
+            <a:ext cx="436338" cy="307777"/>
+          </a:xfrm>
+          <a:prstGeom prst="rect">
+            <a:avLst/>
+          </a:prstGeom>
+          <a:noFill/>
+        </p:spPr>
+        <p:txBody>
+          <a:bodyPr wrap="none" rtlCol="0">
+            <a:spAutoFit/>
+          </a:bodyPr>
+          <a:lstStyle/>
+          <a:p>
+            <a:r>
+              <a:rPr lang="fr-FR" sz="1400" dirty="0"/>
+              <a:t>@2</a:t>
+            </a:r>
+          </a:p>
+        </p:txBody>
+      </p:sp>
+      <p:sp>
+        <p:nvSpPr>
+          <p:cNvPr id="19" name="ZoneTexte 18">
+            <a:extLst>
+              <a:ext uri="{FF2B5EF4-FFF2-40B4-BE49-F238E27FC236}">
+                <a16:creationId xmlns:a16="http://schemas.microsoft.com/office/drawing/2014/main" id="{8DDDB456-EEAC-F0A6-7392-7DD23718ED12}"/>
+              </a:ext>
+            </a:extLst>
+          </p:cNvPr>
+          <p:cNvSpPr txBox="1"/>
+          <p:nvPr/>
+        </p:nvSpPr>
+        <p:spPr>
+          <a:xfrm>
+            <a:off x="6652542" y="662233"/>
+            <a:ext cx="436338" cy="307777"/>
+          </a:xfrm>
+          <a:prstGeom prst="rect">
+            <a:avLst/>
+          </a:prstGeom>
+          <a:noFill/>
+        </p:spPr>
+        <p:txBody>
+          <a:bodyPr wrap="none" rtlCol="0">
+            <a:spAutoFit/>
+          </a:bodyPr>
+          <a:lstStyle/>
+          <a:p>
+            <a:r>
+              <a:rPr lang="fr-FR" sz="1400" dirty="0"/>
+              <a:t>@1</a:t>
+            </a:r>
+          </a:p>
+        </p:txBody>
+      </p:sp>
+      <p:sp>
+        <p:nvSpPr>
+          <p:cNvPr id="20" name="ZoneTexte 19">
+            <a:extLst>
+              <a:ext uri="{FF2B5EF4-FFF2-40B4-BE49-F238E27FC236}">
+                <a16:creationId xmlns:a16="http://schemas.microsoft.com/office/drawing/2014/main" id="{BD782558-DE71-B438-6E85-A030ECD334D0}"/>
+              </a:ext>
+            </a:extLst>
+          </p:cNvPr>
+          <p:cNvSpPr txBox="1"/>
+          <p:nvPr/>
+        </p:nvSpPr>
+        <p:spPr>
+          <a:xfrm>
+            <a:off x="7455164" y="3462890"/>
+            <a:ext cx="436338" cy="307777"/>
+          </a:xfrm>
+          <a:prstGeom prst="rect">
+            <a:avLst/>
+          </a:prstGeom>
+          <a:noFill/>
+        </p:spPr>
+        <p:txBody>
+          <a:bodyPr wrap="none" rtlCol="0">
+            <a:spAutoFit/>
+          </a:bodyPr>
+          <a:lstStyle/>
+          <a:p>
+            <a:r>
+              <a:rPr lang="fr-FR" sz="1400" dirty="0"/>
+              <a:t>@3</a:t>
+            </a:r>
+          </a:p>
+        </p:txBody>
+      </p:sp>
+      <p:sp>
+        <p:nvSpPr>
+          <p:cNvPr id="21" name="ZoneTexte 20">
+            <a:extLst>
+              <a:ext uri="{FF2B5EF4-FFF2-40B4-BE49-F238E27FC236}">
+                <a16:creationId xmlns:a16="http://schemas.microsoft.com/office/drawing/2014/main" id="{20B059C7-907C-5E41-7A2D-06C08A65740F}"/>
+              </a:ext>
+            </a:extLst>
+          </p:cNvPr>
+          <p:cNvSpPr txBox="1"/>
+          <p:nvPr/>
+        </p:nvSpPr>
+        <p:spPr>
+          <a:xfrm>
+            <a:off x="5568363" y="3491776"/>
+            <a:ext cx="436338" cy="307777"/>
+          </a:xfrm>
+          <a:prstGeom prst="rect">
+            <a:avLst/>
+          </a:prstGeom>
+          <a:noFill/>
+        </p:spPr>
+        <p:txBody>
+          <a:bodyPr wrap="none" rtlCol="0">
+            <a:spAutoFit/>
+          </a:bodyPr>
+          <a:lstStyle/>
+          <a:p>
+            <a:r>
+              <a:rPr lang="fr-FR" sz="1400" dirty="0"/>
+              <a:t>@4</a:t>
+            </a:r>
+          </a:p>
+        </p:txBody>
+      </p:sp>
+      <p:sp>
+        <p:nvSpPr>
+          <p:cNvPr id="26" name="ZoneTexte 25">
+            <a:extLst>
+              <a:ext uri="{FF2B5EF4-FFF2-40B4-BE49-F238E27FC236}">
+                <a16:creationId xmlns:a16="http://schemas.microsoft.com/office/drawing/2014/main" id="{F3EC11D2-15B2-0554-EF8B-1A30774FA8E1}"/>
+              </a:ext>
+            </a:extLst>
+          </p:cNvPr>
+          <p:cNvSpPr txBox="1"/>
+          <p:nvPr/>
+        </p:nvSpPr>
+        <p:spPr>
+          <a:xfrm>
+            <a:off x="4570019" y="3491775"/>
+            <a:ext cx="436338" cy="307777"/>
+          </a:xfrm>
+          <a:prstGeom prst="rect">
+            <a:avLst/>
+          </a:prstGeom>
+          <a:noFill/>
+        </p:spPr>
+        <p:txBody>
+          <a:bodyPr wrap="none" rtlCol="0">
+            <a:spAutoFit/>
+          </a:bodyPr>
+          <a:lstStyle/>
+          <a:p>
+            <a:r>
+              <a:rPr lang="fr-FR" sz="1400" dirty="0"/>
+              <a:t>@5</a:t>
+            </a:r>
+          </a:p>
+        </p:txBody>
+      </p:sp>
+      <p:sp>
+        <p:nvSpPr>
+          <p:cNvPr id="28" name="ZoneTexte 27">
+            <a:extLst>
+              <a:ext uri="{FF2B5EF4-FFF2-40B4-BE49-F238E27FC236}">
+                <a16:creationId xmlns:a16="http://schemas.microsoft.com/office/drawing/2014/main" id="{F335935F-E44E-4A83-E1A8-1D0573C571F0}"/>
+              </a:ext>
+            </a:extLst>
+          </p:cNvPr>
+          <p:cNvSpPr txBox="1"/>
+          <p:nvPr/>
+        </p:nvSpPr>
+        <p:spPr>
+          <a:xfrm>
+            <a:off x="2833263" y="3462890"/>
+            <a:ext cx="436338" cy="307777"/>
+          </a:xfrm>
+          <a:prstGeom prst="rect">
+            <a:avLst/>
+          </a:prstGeom>
+          <a:noFill/>
+        </p:spPr>
+        <p:txBody>
+          <a:bodyPr wrap="none" rtlCol="0">
+            <a:spAutoFit/>
+          </a:bodyPr>
+          <a:lstStyle/>
+          <a:p>
+            <a:r>
+              <a:rPr lang="fr-FR" sz="1400" dirty="0"/>
+              <a:t>@6</a:t>
+            </a:r>
+          </a:p>
+        </p:txBody>
+      </p:sp>
+      <p:sp>
+        <p:nvSpPr>
+          <p:cNvPr id="30" name="ZoneTexte 29">
+            <a:extLst>
+              <a:ext uri="{FF2B5EF4-FFF2-40B4-BE49-F238E27FC236}">
+                <a16:creationId xmlns:a16="http://schemas.microsoft.com/office/drawing/2014/main" id="{495B5077-06BA-7378-CF59-8094F46AE702}"/>
+              </a:ext>
+            </a:extLst>
+          </p:cNvPr>
+          <p:cNvSpPr txBox="1"/>
+          <p:nvPr/>
+        </p:nvSpPr>
+        <p:spPr>
+          <a:xfrm>
+            <a:off x="1065114" y="3491775"/>
+            <a:ext cx="436338" cy="307777"/>
+          </a:xfrm>
+          <a:prstGeom prst="rect">
+            <a:avLst/>
+          </a:prstGeom>
+          <a:noFill/>
+        </p:spPr>
+        <p:txBody>
+          <a:bodyPr wrap="none" rtlCol="0">
+            <a:spAutoFit/>
+          </a:bodyPr>
+          <a:lstStyle/>
+          <a:p>
+            <a:r>
+              <a:rPr lang="fr-FR" sz="1400" dirty="0"/>
+              <a:t>@7</a:t>
+            </a:r>
+          </a:p>
+        </p:txBody>
+      </p:sp>
+    </p:spTree>
+    <p:extLst>
+      <p:ext uri="{BB962C8B-B14F-4D97-AF65-F5344CB8AC3E}">
+        <p14:creationId xmlns:p14="http://schemas.microsoft.com/office/powerpoint/2010/main" val="2999608433"/>
+      </p:ext>
+    </p:extLst>
+  </p:cSld>
+  <p:clrMapOvr>
+    <a:masterClrMapping/>
+  </p:clrMapOvr>
+</p:sld>
+</file>
+
+<file path=ppt/slides/slide4.xml><?xml version="1.0" encoding="utf-8"?>
 <p:sld xmlns:a="http://schemas.openxmlformats.org/drawingml/2006/main" xmlns:r="http://schemas.openxmlformats.org/officeDocument/2006/relationships" xmlns:p="http://schemas.openxmlformats.org/presentationml/2006/main">
   <p:cSld>
     <p:bg>
@@ -5457,7 +7683,7 @@
 </p:sld>
 </file>
 
-<file path=ppt/slides/slide4.xml><?xml version="1.0" encoding="utf-8"?>
+<file path=ppt/slides/slide5.xml><?xml version="1.0" encoding="utf-8"?>
 <p:sld xmlns:a="http://schemas.openxmlformats.org/drawingml/2006/main" xmlns:r="http://schemas.openxmlformats.org/officeDocument/2006/relationships" xmlns:p="http://schemas.openxmlformats.org/presentationml/2006/main">
   <p:cSld>
     <p:spTree>
@@ -5508,6 +7734,2344 @@
     <p:extLst>
       <p:ext uri="{BB962C8B-B14F-4D97-AF65-F5344CB8AC3E}">
         <p14:creationId xmlns:p14="http://schemas.microsoft.com/office/powerpoint/2010/main" val="3883951881"/>
+      </p:ext>
+    </p:extLst>
+  </p:cSld>
+  <p:clrMapOvr>
+    <a:masterClrMapping/>
+  </p:clrMapOvr>
+</p:sld>
+</file>
+
+<file path=ppt/slides/slide6.xml><?xml version="1.0" encoding="utf-8"?>
+<p:sld xmlns:a="http://schemas.openxmlformats.org/drawingml/2006/main" xmlns:r="http://schemas.openxmlformats.org/officeDocument/2006/relationships" xmlns:p="http://schemas.openxmlformats.org/presentationml/2006/main">
+  <p:cSld>
+    <p:spTree>
+      <p:nvGrpSpPr>
+        <p:cNvPr id="1" name=""/>
+        <p:cNvGrpSpPr/>
+        <p:nvPr/>
+      </p:nvGrpSpPr>
+      <p:grpSpPr>
+        <a:xfrm>
+          <a:off x="0" y="0"/>
+          <a:ext cx="0" cy="0"/>
+          <a:chOff x="0" y="0"/>
+          <a:chExt cx="0" cy="0"/>
+        </a:xfrm>
+      </p:grpSpPr>
+      <p:sp>
+        <p:nvSpPr>
+          <p:cNvPr id="4" name="Rectangle : coins arrondis 3">
+            <a:extLst>
+              <a:ext uri="{FF2B5EF4-FFF2-40B4-BE49-F238E27FC236}">
+                <a16:creationId xmlns:a16="http://schemas.microsoft.com/office/drawing/2014/main" id="{1126AA99-E2C6-E0D4-52BA-5FC20E5122CD}"/>
+              </a:ext>
+            </a:extLst>
+          </p:cNvPr>
+          <p:cNvSpPr/>
+          <p:nvPr/>
+        </p:nvSpPr>
+        <p:spPr>
+          <a:xfrm>
+            <a:off x="1356852" y="717755"/>
+            <a:ext cx="717754" cy="619432"/>
+          </a:xfrm>
+          <a:prstGeom prst="roundRect">
+            <a:avLst/>
+          </a:prstGeom>
+          <a:gradFill flip="none" rotWithShape="1">
+            <a:gsLst>
+              <a:gs pos="0">
+                <a:schemeClr val="accent5">
+                  <a:lumMod val="67000"/>
+                </a:schemeClr>
+              </a:gs>
+              <a:gs pos="48000">
+                <a:schemeClr val="accent5">
+                  <a:lumMod val="97000"/>
+                  <a:lumOff val="3000"/>
+                </a:schemeClr>
+              </a:gs>
+              <a:gs pos="100000">
+                <a:schemeClr val="accent5">
+                  <a:lumMod val="60000"/>
+                  <a:lumOff val="40000"/>
+                </a:schemeClr>
+              </a:gs>
+            </a:gsLst>
+            <a:lin ang="16200000" scaled="1"/>
+            <a:tileRect/>
+          </a:gradFill>
+          <a:ln>
+            <a:noFill/>
+          </a:ln>
+        </p:spPr>
+        <p:style>
+          <a:lnRef idx="0">
+            <a:scrgbClr r="0" g="0" b="0"/>
+          </a:lnRef>
+          <a:fillRef idx="0">
+            <a:scrgbClr r="0" g="0" b="0"/>
+          </a:fillRef>
+          <a:effectRef idx="0">
+            <a:scrgbClr r="0" g="0" b="0"/>
+          </a:effectRef>
+          <a:fontRef idx="minor">
+            <a:schemeClr val="lt1"/>
+          </a:fontRef>
+        </p:style>
+        <p:txBody>
+          <a:bodyPr rtlCol="0" anchor="ctr"/>
+          <a:lstStyle/>
+          <a:p>
+            <a:pPr algn="ctr"/>
+            <a:r>
+              <a:rPr lang="fr-FR" b="1" dirty="0"/>
+              <a:t>SOH</a:t>
+            </a:r>
+          </a:p>
+        </p:txBody>
+      </p:sp>
+      <p:sp>
+        <p:nvSpPr>
+          <p:cNvPr id="7" name="Rectangle : coins arrondis 6">
+            <a:extLst>
+              <a:ext uri="{FF2B5EF4-FFF2-40B4-BE49-F238E27FC236}">
+                <a16:creationId xmlns:a16="http://schemas.microsoft.com/office/drawing/2014/main" id="{CD5F2137-6EF1-4027-DD30-41BE62132E85}"/>
+              </a:ext>
+            </a:extLst>
+          </p:cNvPr>
+          <p:cNvSpPr/>
+          <p:nvPr/>
+        </p:nvSpPr>
+        <p:spPr>
+          <a:xfrm>
+            <a:off x="6892404" y="707923"/>
+            <a:ext cx="757083" cy="619432"/>
+          </a:xfrm>
+          <a:prstGeom prst="roundRect">
+            <a:avLst/>
+          </a:prstGeom>
+        </p:spPr>
+        <p:style>
+          <a:lnRef idx="0">
+            <a:schemeClr val="accent5"/>
+          </a:lnRef>
+          <a:fillRef idx="3">
+            <a:schemeClr val="accent5"/>
+          </a:fillRef>
+          <a:effectRef idx="3">
+            <a:schemeClr val="accent5"/>
+          </a:effectRef>
+          <a:fontRef idx="minor">
+            <a:schemeClr val="lt1"/>
+          </a:fontRef>
+        </p:style>
+        <p:txBody>
+          <a:bodyPr rtlCol="0" anchor="ctr"/>
+          <a:lstStyle/>
+          <a:p>
+            <a:pPr algn="ctr"/>
+            <a:r>
+              <a:rPr lang="fr-FR" b="1" dirty="0"/>
+              <a:t>STX</a:t>
+            </a:r>
+          </a:p>
+        </p:txBody>
+      </p:sp>
+      <p:sp>
+        <p:nvSpPr>
+          <p:cNvPr id="8" name="Rectangle : coins arrondis 7">
+            <a:extLst>
+              <a:ext uri="{FF2B5EF4-FFF2-40B4-BE49-F238E27FC236}">
+                <a16:creationId xmlns:a16="http://schemas.microsoft.com/office/drawing/2014/main" id="{4517AAF3-40A6-720E-CD4E-895F3353AFC5}"/>
+              </a:ext>
+            </a:extLst>
+          </p:cNvPr>
+          <p:cNvSpPr/>
+          <p:nvPr/>
+        </p:nvSpPr>
+        <p:spPr>
+          <a:xfrm>
+            <a:off x="3106991" y="717755"/>
+            <a:ext cx="717754" cy="619432"/>
+          </a:xfrm>
+          <a:prstGeom prst="roundRect">
+            <a:avLst/>
+          </a:prstGeom>
+          <a:ln/>
+        </p:spPr>
+        <p:style>
+          <a:lnRef idx="0">
+            <a:schemeClr val="accent2"/>
+          </a:lnRef>
+          <a:fillRef idx="3">
+            <a:schemeClr val="accent2"/>
+          </a:fillRef>
+          <a:effectRef idx="3">
+            <a:schemeClr val="accent2"/>
+          </a:effectRef>
+          <a:fontRef idx="minor">
+            <a:schemeClr val="lt1"/>
+          </a:fontRef>
+        </p:style>
+        <p:txBody>
+          <a:bodyPr rtlCol="0" anchor="ctr"/>
+          <a:lstStyle/>
+          <a:p>
+            <a:pPr algn="ctr"/>
+            <a:r>
+              <a:rPr lang="fr-FR" b="1" dirty="0"/>
+              <a:t>ID</a:t>
+            </a:r>
+          </a:p>
+        </p:txBody>
+      </p:sp>
+      <p:sp>
+        <p:nvSpPr>
+          <p:cNvPr id="9" name="Rectangle : coins arrondis 8">
+            <a:extLst>
+              <a:ext uri="{FF2B5EF4-FFF2-40B4-BE49-F238E27FC236}">
+                <a16:creationId xmlns:a16="http://schemas.microsoft.com/office/drawing/2014/main" id="{A7C73F7D-E0B9-7285-7D78-7803623A3F81}"/>
+              </a:ext>
+            </a:extLst>
+          </p:cNvPr>
+          <p:cNvSpPr/>
+          <p:nvPr/>
+        </p:nvSpPr>
+        <p:spPr>
+          <a:xfrm>
+            <a:off x="2113935" y="707923"/>
+            <a:ext cx="953729" cy="619432"/>
+          </a:xfrm>
+          <a:prstGeom prst="roundRect">
+            <a:avLst/>
+          </a:prstGeom>
+          <a:ln/>
+        </p:spPr>
+        <p:style>
+          <a:lnRef idx="0">
+            <a:schemeClr val="accent5"/>
+          </a:lnRef>
+          <a:fillRef idx="3">
+            <a:schemeClr val="accent5"/>
+          </a:fillRef>
+          <a:effectRef idx="3">
+            <a:schemeClr val="accent5"/>
+          </a:effectRef>
+          <a:fontRef idx="minor">
+            <a:schemeClr val="lt1"/>
+          </a:fontRef>
+        </p:style>
+        <p:txBody>
+          <a:bodyPr rtlCol="0" anchor="ctr"/>
+          <a:lstStyle/>
+          <a:p>
+            <a:pPr algn="ctr"/>
+            <a:r>
+              <a:rPr lang="fr-FR" b="1" dirty="0"/>
+              <a:t>LEN</a:t>
+            </a:r>
+          </a:p>
+        </p:txBody>
+      </p:sp>
+      <p:sp>
+        <p:nvSpPr>
+          <p:cNvPr id="10" name="Rectangle : coins arrondis 9">
+            <a:extLst>
+              <a:ext uri="{FF2B5EF4-FFF2-40B4-BE49-F238E27FC236}">
+                <a16:creationId xmlns:a16="http://schemas.microsoft.com/office/drawing/2014/main" id="{BFA77EBA-CB70-8F31-103A-8BC406A1B57C}"/>
+              </a:ext>
+            </a:extLst>
+          </p:cNvPr>
+          <p:cNvSpPr/>
+          <p:nvPr/>
+        </p:nvSpPr>
+        <p:spPr>
+          <a:xfrm>
+            <a:off x="5899348" y="707923"/>
+            <a:ext cx="953729" cy="619432"/>
+          </a:xfrm>
+          <a:prstGeom prst="roundRect">
+            <a:avLst/>
+          </a:prstGeom>
+          <a:ln/>
+        </p:spPr>
+        <p:style>
+          <a:lnRef idx="0">
+            <a:schemeClr val="accent4"/>
+          </a:lnRef>
+          <a:fillRef idx="3">
+            <a:schemeClr val="accent4"/>
+          </a:fillRef>
+          <a:effectRef idx="3">
+            <a:schemeClr val="accent4"/>
+          </a:effectRef>
+          <a:fontRef idx="minor">
+            <a:schemeClr val="lt1"/>
+          </a:fontRef>
+        </p:style>
+        <p:txBody>
+          <a:bodyPr rtlCol="0" anchor="ctr"/>
+          <a:lstStyle/>
+          <a:p>
+            <a:pPr algn="ctr"/>
+            <a:r>
+              <a:rPr lang="fr-FR" b="1" dirty="0"/>
+              <a:t>CS</a:t>
+            </a:r>
+          </a:p>
+        </p:txBody>
+      </p:sp>
+      <p:sp>
+        <p:nvSpPr>
+          <p:cNvPr id="11" name="Rectangle : coins arrondis 10">
+            <a:extLst>
+              <a:ext uri="{FF2B5EF4-FFF2-40B4-BE49-F238E27FC236}">
+                <a16:creationId xmlns:a16="http://schemas.microsoft.com/office/drawing/2014/main" id="{7FF13395-3AFC-296E-68F8-64BB208640FB}"/>
+              </a:ext>
+            </a:extLst>
+          </p:cNvPr>
+          <p:cNvSpPr/>
+          <p:nvPr/>
+        </p:nvSpPr>
+        <p:spPr>
+          <a:xfrm>
+            <a:off x="3864072" y="707923"/>
+            <a:ext cx="1995949" cy="619432"/>
+          </a:xfrm>
+          <a:prstGeom prst="roundRect">
+            <a:avLst/>
+          </a:prstGeom>
+          <a:ln/>
+        </p:spPr>
+        <p:style>
+          <a:lnRef idx="0">
+            <a:schemeClr val="accent6"/>
+          </a:lnRef>
+          <a:fillRef idx="3">
+            <a:schemeClr val="accent6"/>
+          </a:fillRef>
+          <a:effectRef idx="3">
+            <a:schemeClr val="accent6"/>
+          </a:effectRef>
+          <a:fontRef idx="minor">
+            <a:schemeClr val="lt1"/>
+          </a:fontRef>
+        </p:style>
+        <p:txBody>
+          <a:bodyPr rtlCol="0" anchor="ctr"/>
+          <a:lstStyle/>
+          <a:p>
+            <a:pPr algn="ctr"/>
+            <a:r>
+              <a:rPr lang="fr-FR" b="1" dirty="0"/>
+              <a:t>DATAS</a:t>
+            </a:r>
+          </a:p>
+        </p:txBody>
+      </p:sp>
+      <p:sp>
+        <p:nvSpPr>
+          <p:cNvPr id="12" name="Accolade fermante 11">
+            <a:extLst>
+              <a:ext uri="{FF2B5EF4-FFF2-40B4-BE49-F238E27FC236}">
+                <a16:creationId xmlns:a16="http://schemas.microsoft.com/office/drawing/2014/main" id="{4EE9E36B-F189-A21D-EE9C-9A3E6CA35303}"/>
+              </a:ext>
+            </a:extLst>
+          </p:cNvPr>
+          <p:cNvSpPr/>
+          <p:nvPr/>
+        </p:nvSpPr>
+        <p:spPr>
+          <a:xfrm rot="5400000">
+            <a:off x="4852212" y="-265469"/>
+            <a:ext cx="255644" cy="3746086"/>
+          </a:xfrm>
+          <a:prstGeom prst="rightBrace">
+            <a:avLst/>
+          </a:prstGeom>
+        </p:spPr>
+        <p:style>
+          <a:lnRef idx="2">
+            <a:schemeClr val="dk1"/>
+          </a:lnRef>
+          <a:fillRef idx="0">
+            <a:schemeClr val="dk1"/>
+          </a:fillRef>
+          <a:effectRef idx="1">
+            <a:schemeClr val="dk1"/>
+          </a:effectRef>
+          <a:fontRef idx="minor">
+            <a:schemeClr val="tx1"/>
+          </a:fontRef>
+        </p:style>
+        <p:txBody>
+          <a:bodyPr rtlCol="0" anchor="ctr"/>
+          <a:lstStyle/>
+          <a:p>
+            <a:pPr algn="ctr"/>
+            <a:endParaRPr lang="fr-FR"/>
+          </a:p>
+        </p:txBody>
+      </p:sp>
+      <p:cxnSp>
+        <p:nvCxnSpPr>
+          <p:cNvPr id="23" name="Connecteur : en angle 22">
+            <a:extLst>
+              <a:ext uri="{FF2B5EF4-FFF2-40B4-BE49-F238E27FC236}">
+                <a16:creationId xmlns:a16="http://schemas.microsoft.com/office/drawing/2014/main" id="{F934BFF8-8B3C-DB2D-B66B-7ABBDDE5B459}"/>
+              </a:ext>
+            </a:extLst>
+          </p:cNvPr>
+          <p:cNvCxnSpPr>
+            <a:stCxn id="12" idx="1"/>
+            <a:endCxn id="9" idx="2"/>
+          </p:cNvCxnSpPr>
+          <p:nvPr/>
+        </p:nvCxnSpPr>
+        <p:spPr>
+          <a:xfrm rot="16200000" flipV="1">
+            <a:off x="3581397" y="336759"/>
+            <a:ext cx="408041" cy="2389234"/>
+          </a:xfrm>
+          <a:prstGeom prst="bentConnector5">
+            <a:avLst>
+              <a:gd name="adj1" fmla="val -64458"/>
+              <a:gd name="adj2" fmla="val 42696"/>
+              <a:gd name="adj3" fmla="val -64458"/>
+            </a:avLst>
+          </a:prstGeom>
+          <a:ln>
+            <a:tailEnd type="triangle"/>
+          </a:ln>
+        </p:spPr>
+        <p:style>
+          <a:lnRef idx="2">
+            <a:schemeClr val="dk1"/>
+          </a:lnRef>
+          <a:fillRef idx="0">
+            <a:schemeClr val="dk1"/>
+          </a:fillRef>
+          <a:effectRef idx="1">
+            <a:schemeClr val="dk1"/>
+          </a:effectRef>
+          <a:fontRef idx="minor">
+            <a:schemeClr val="tx1"/>
+          </a:fontRef>
+        </p:style>
+      </p:cxnSp>
+      <p:sp>
+        <p:nvSpPr>
+          <p:cNvPr id="27" name="Rectangle : coins arrondis 26">
+            <a:extLst>
+              <a:ext uri="{FF2B5EF4-FFF2-40B4-BE49-F238E27FC236}">
+                <a16:creationId xmlns:a16="http://schemas.microsoft.com/office/drawing/2014/main" id="{581508E4-086D-662A-B073-F6DE7EC2DEDC}"/>
+              </a:ext>
+            </a:extLst>
+          </p:cNvPr>
+          <p:cNvSpPr/>
+          <p:nvPr/>
+        </p:nvSpPr>
+        <p:spPr>
+          <a:xfrm>
+            <a:off x="1317525" y="2819400"/>
+            <a:ext cx="717754" cy="619432"/>
+          </a:xfrm>
+          <a:prstGeom prst="roundRect">
+            <a:avLst/>
+          </a:prstGeom>
+          <a:gradFill flip="none" rotWithShape="1">
+            <a:gsLst>
+              <a:gs pos="0">
+                <a:schemeClr val="accent5">
+                  <a:lumMod val="67000"/>
+                </a:schemeClr>
+              </a:gs>
+              <a:gs pos="48000">
+                <a:schemeClr val="accent5">
+                  <a:lumMod val="97000"/>
+                  <a:lumOff val="3000"/>
+                </a:schemeClr>
+              </a:gs>
+              <a:gs pos="100000">
+                <a:schemeClr val="accent5">
+                  <a:lumMod val="60000"/>
+                  <a:lumOff val="40000"/>
+                </a:schemeClr>
+              </a:gs>
+            </a:gsLst>
+            <a:lin ang="16200000" scaled="1"/>
+            <a:tileRect/>
+          </a:gradFill>
+          <a:ln>
+            <a:noFill/>
+          </a:ln>
+        </p:spPr>
+        <p:style>
+          <a:lnRef idx="0">
+            <a:scrgbClr r="0" g="0" b="0"/>
+          </a:lnRef>
+          <a:fillRef idx="0">
+            <a:scrgbClr r="0" g="0" b="0"/>
+          </a:fillRef>
+          <a:effectRef idx="0">
+            <a:scrgbClr r="0" g="0" b="0"/>
+          </a:effectRef>
+          <a:fontRef idx="minor">
+            <a:schemeClr val="lt1"/>
+          </a:fontRef>
+        </p:style>
+        <p:txBody>
+          <a:bodyPr rtlCol="0" anchor="ctr"/>
+          <a:lstStyle/>
+          <a:p>
+            <a:pPr algn="ctr"/>
+            <a:r>
+              <a:rPr lang="fr-FR" b="1" dirty="0"/>
+              <a:t>SOH</a:t>
+            </a:r>
+          </a:p>
+        </p:txBody>
+      </p:sp>
+      <p:sp>
+        <p:nvSpPr>
+          <p:cNvPr id="28" name="Rectangle : coins arrondis 27">
+            <a:extLst>
+              <a:ext uri="{FF2B5EF4-FFF2-40B4-BE49-F238E27FC236}">
+                <a16:creationId xmlns:a16="http://schemas.microsoft.com/office/drawing/2014/main" id="{F32546F1-5D13-B744-9FE5-30EF4877B6A8}"/>
+              </a:ext>
+            </a:extLst>
+          </p:cNvPr>
+          <p:cNvSpPr/>
+          <p:nvPr/>
+        </p:nvSpPr>
+        <p:spPr>
+          <a:xfrm>
+            <a:off x="7752738" y="2819400"/>
+            <a:ext cx="757083" cy="619432"/>
+          </a:xfrm>
+          <a:prstGeom prst="roundRect">
+            <a:avLst/>
+          </a:prstGeom>
+        </p:spPr>
+        <p:style>
+          <a:lnRef idx="0">
+            <a:schemeClr val="accent5"/>
+          </a:lnRef>
+          <a:fillRef idx="3">
+            <a:schemeClr val="accent5"/>
+          </a:fillRef>
+          <a:effectRef idx="3">
+            <a:schemeClr val="accent5"/>
+          </a:effectRef>
+          <a:fontRef idx="minor">
+            <a:schemeClr val="lt1"/>
+          </a:fontRef>
+        </p:style>
+        <p:txBody>
+          <a:bodyPr rtlCol="0" anchor="ctr"/>
+          <a:lstStyle/>
+          <a:p>
+            <a:pPr algn="ctr"/>
+            <a:r>
+              <a:rPr lang="fr-FR" b="1" dirty="0"/>
+              <a:t>STX</a:t>
+            </a:r>
+          </a:p>
+        </p:txBody>
+      </p:sp>
+      <p:sp>
+        <p:nvSpPr>
+          <p:cNvPr id="29" name="Rectangle : coins arrondis 28">
+            <a:extLst>
+              <a:ext uri="{FF2B5EF4-FFF2-40B4-BE49-F238E27FC236}">
+                <a16:creationId xmlns:a16="http://schemas.microsoft.com/office/drawing/2014/main" id="{D58C0191-1DF1-15F4-2DAB-A38AA8BA6A1B}"/>
+              </a:ext>
+            </a:extLst>
+          </p:cNvPr>
+          <p:cNvSpPr/>
+          <p:nvPr/>
+        </p:nvSpPr>
+        <p:spPr>
+          <a:xfrm>
+            <a:off x="3067664" y="2819400"/>
+            <a:ext cx="717754" cy="619432"/>
+          </a:xfrm>
+          <a:prstGeom prst="roundRect">
+            <a:avLst/>
+          </a:prstGeom>
+          <a:ln/>
+        </p:spPr>
+        <p:style>
+          <a:lnRef idx="0">
+            <a:schemeClr val="accent2"/>
+          </a:lnRef>
+          <a:fillRef idx="3">
+            <a:schemeClr val="accent2"/>
+          </a:fillRef>
+          <a:effectRef idx="3">
+            <a:schemeClr val="accent2"/>
+          </a:effectRef>
+          <a:fontRef idx="minor">
+            <a:schemeClr val="lt1"/>
+          </a:fontRef>
+        </p:style>
+        <p:txBody>
+          <a:bodyPr rtlCol="0" anchor="ctr"/>
+          <a:lstStyle/>
+          <a:p>
+            <a:pPr algn="ctr"/>
+            <a:r>
+              <a:rPr lang="fr-FR" b="1" dirty="0"/>
+              <a:t>m</a:t>
+            </a:r>
+          </a:p>
+        </p:txBody>
+      </p:sp>
+      <p:sp>
+        <p:nvSpPr>
+          <p:cNvPr id="30" name="Rectangle : coins arrondis 29">
+            <a:extLst>
+              <a:ext uri="{FF2B5EF4-FFF2-40B4-BE49-F238E27FC236}">
+                <a16:creationId xmlns:a16="http://schemas.microsoft.com/office/drawing/2014/main" id="{A086DC29-91D0-0CE0-CDF7-7D0D96B2019E}"/>
+              </a:ext>
+            </a:extLst>
+          </p:cNvPr>
+          <p:cNvSpPr/>
+          <p:nvPr/>
+        </p:nvSpPr>
+        <p:spPr>
+          <a:xfrm>
+            <a:off x="2074608" y="2809568"/>
+            <a:ext cx="953729" cy="619432"/>
+          </a:xfrm>
+          <a:prstGeom prst="roundRect">
+            <a:avLst/>
+          </a:prstGeom>
+          <a:ln/>
+        </p:spPr>
+        <p:style>
+          <a:lnRef idx="0">
+            <a:schemeClr val="accent5"/>
+          </a:lnRef>
+          <a:fillRef idx="3">
+            <a:schemeClr val="accent5"/>
+          </a:fillRef>
+          <a:effectRef idx="3">
+            <a:schemeClr val="accent5"/>
+          </a:effectRef>
+          <a:fontRef idx="minor">
+            <a:schemeClr val="lt1"/>
+          </a:fontRef>
+        </p:style>
+        <p:txBody>
+          <a:bodyPr rtlCol="0" anchor="ctr"/>
+          <a:lstStyle/>
+          <a:p>
+            <a:pPr algn="ctr"/>
+            <a:r>
+              <a:rPr lang="fr-FR" b="1" dirty="0"/>
+              <a:t>09</a:t>
+            </a:r>
+          </a:p>
+        </p:txBody>
+      </p:sp>
+      <p:sp>
+        <p:nvSpPr>
+          <p:cNvPr id="31" name="Rectangle : coins arrondis 30">
+            <a:extLst>
+              <a:ext uri="{FF2B5EF4-FFF2-40B4-BE49-F238E27FC236}">
+                <a16:creationId xmlns:a16="http://schemas.microsoft.com/office/drawing/2014/main" id="{82C81D9D-F53D-3E44-110C-3D3D3DF42591}"/>
+              </a:ext>
+            </a:extLst>
+          </p:cNvPr>
+          <p:cNvSpPr/>
+          <p:nvPr/>
+        </p:nvSpPr>
+        <p:spPr>
+          <a:xfrm>
+            <a:off x="6764590" y="2809568"/>
+            <a:ext cx="953729" cy="619432"/>
+          </a:xfrm>
+          <a:prstGeom prst="roundRect">
+            <a:avLst/>
+          </a:prstGeom>
+          <a:ln/>
+        </p:spPr>
+        <p:style>
+          <a:lnRef idx="0">
+            <a:schemeClr val="accent4"/>
+          </a:lnRef>
+          <a:fillRef idx="3">
+            <a:schemeClr val="accent4"/>
+          </a:fillRef>
+          <a:effectRef idx="3">
+            <a:schemeClr val="accent4"/>
+          </a:effectRef>
+          <a:fontRef idx="minor">
+            <a:schemeClr val="lt1"/>
+          </a:fontRef>
+        </p:style>
+        <p:txBody>
+          <a:bodyPr rtlCol="0" anchor="ctr"/>
+          <a:lstStyle/>
+          <a:p>
+            <a:pPr algn="ctr"/>
+            <a:r>
+              <a:rPr lang="fr-FR" b="1" dirty="0"/>
+              <a:t>CS</a:t>
+            </a:r>
+          </a:p>
+        </p:txBody>
+      </p:sp>
+      <p:sp>
+        <p:nvSpPr>
+          <p:cNvPr id="35" name="Rectangle : coins arrondis 34">
+            <a:extLst>
+              <a:ext uri="{FF2B5EF4-FFF2-40B4-BE49-F238E27FC236}">
+                <a16:creationId xmlns:a16="http://schemas.microsoft.com/office/drawing/2014/main" id="{90301595-9828-CB91-D551-C4046B2453E9}"/>
+              </a:ext>
+            </a:extLst>
+          </p:cNvPr>
+          <p:cNvSpPr/>
+          <p:nvPr/>
+        </p:nvSpPr>
+        <p:spPr>
+          <a:xfrm>
+            <a:off x="3824745" y="2819400"/>
+            <a:ext cx="1912370" cy="619432"/>
+          </a:xfrm>
+          <a:prstGeom prst="roundRect">
+            <a:avLst/>
+          </a:prstGeom>
+          <a:ln/>
+        </p:spPr>
+        <p:style>
+          <a:lnRef idx="0">
+            <a:schemeClr val="accent6"/>
+          </a:lnRef>
+          <a:fillRef idx="3">
+            <a:schemeClr val="accent6"/>
+          </a:fillRef>
+          <a:effectRef idx="3">
+            <a:schemeClr val="accent6"/>
+          </a:effectRef>
+          <a:fontRef idx="minor">
+            <a:schemeClr val="lt1"/>
+          </a:fontRef>
+        </p:style>
+        <p:txBody>
+          <a:bodyPr rtlCol="0" anchor="ctr"/>
+          <a:lstStyle/>
+          <a:p>
+            <a:pPr algn="ctr"/>
+            <a:r>
+              <a:rPr lang="fr-FR" b="1" dirty="0"/>
+              <a:t>CMDS</a:t>
+            </a:r>
+          </a:p>
+        </p:txBody>
+      </p:sp>
+      <p:sp>
+        <p:nvSpPr>
+          <p:cNvPr id="36" name="Rectangle : coins arrondis 35">
+            <a:extLst>
+              <a:ext uri="{FF2B5EF4-FFF2-40B4-BE49-F238E27FC236}">
+                <a16:creationId xmlns:a16="http://schemas.microsoft.com/office/drawing/2014/main" id="{A9215853-166B-DFA0-7E85-FC21FD556EAE}"/>
+              </a:ext>
+            </a:extLst>
+          </p:cNvPr>
+          <p:cNvSpPr/>
+          <p:nvPr/>
+        </p:nvSpPr>
+        <p:spPr>
+          <a:xfrm>
+            <a:off x="5776442" y="2819400"/>
+            <a:ext cx="953729" cy="619432"/>
+          </a:xfrm>
+          <a:prstGeom prst="roundRect">
+            <a:avLst/>
+          </a:prstGeom>
+          <a:ln/>
+        </p:spPr>
+        <p:style>
+          <a:lnRef idx="0">
+            <a:schemeClr val="accent6"/>
+          </a:lnRef>
+          <a:fillRef idx="3">
+            <a:schemeClr val="accent6"/>
+          </a:fillRef>
+          <a:effectRef idx="3">
+            <a:schemeClr val="accent6"/>
+          </a:effectRef>
+          <a:fontRef idx="minor">
+            <a:schemeClr val="lt1"/>
+          </a:fontRef>
+        </p:style>
+        <p:txBody>
+          <a:bodyPr rtlCol="0" anchor="ctr"/>
+          <a:lstStyle/>
+          <a:p>
+            <a:pPr algn="ctr"/>
+            <a:r>
+              <a:rPr lang="fr-FR" b="1" dirty="0"/>
+              <a:t>@</a:t>
+            </a:r>
+          </a:p>
+        </p:txBody>
+      </p:sp>
+      <p:sp>
+        <p:nvSpPr>
+          <p:cNvPr id="39" name="Rectangle : coins arrondis 38">
+            <a:extLst>
+              <a:ext uri="{FF2B5EF4-FFF2-40B4-BE49-F238E27FC236}">
+                <a16:creationId xmlns:a16="http://schemas.microsoft.com/office/drawing/2014/main" id="{3E4CC119-FAE2-0FAB-88AE-360A40F5CACF}"/>
+              </a:ext>
+            </a:extLst>
+          </p:cNvPr>
+          <p:cNvSpPr/>
+          <p:nvPr/>
+        </p:nvSpPr>
+        <p:spPr>
+          <a:xfrm>
+            <a:off x="11461967" y="4394350"/>
+            <a:ext cx="565352" cy="390832"/>
+          </a:xfrm>
+          <a:prstGeom prst="roundRect">
+            <a:avLst/>
+          </a:prstGeom>
+          <a:gradFill flip="none" rotWithShape="1">
+            <a:gsLst>
+              <a:gs pos="0">
+                <a:schemeClr val="accent5">
+                  <a:lumMod val="67000"/>
+                </a:schemeClr>
+              </a:gs>
+              <a:gs pos="48000">
+                <a:schemeClr val="accent5">
+                  <a:lumMod val="97000"/>
+                  <a:lumOff val="3000"/>
+                </a:schemeClr>
+              </a:gs>
+              <a:gs pos="100000">
+                <a:schemeClr val="accent5">
+                  <a:lumMod val="60000"/>
+                  <a:lumOff val="40000"/>
+                </a:schemeClr>
+              </a:gs>
+            </a:gsLst>
+            <a:lin ang="16200000" scaled="1"/>
+            <a:tileRect/>
+          </a:gradFill>
+          <a:ln>
+            <a:noFill/>
+          </a:ln>
+        </p:spPr>
+        <p:style>
+          <a:lnRef idx="0">
+            <a:scrgbClr r="0" g="0" b="0"/>
+          </a:lnRef>
+          <a:fillRef idx="0">
+            <a:scrgbClr r="0" g="0" b="0"/>
+          </a:fillRef>
+          <a:effectRef idx="0">
+            <a:scrgbClr r="0" g="0" b="0"/>
+          </a:effectRef>
+          <a:fontRef idx="minor">
+            <a:schemeClr val="lt1"/>
+          </a:fontRef>
+        </p:style>
+        <p:txBody>
+          <a:bodyPr rtlCol="0" anchor="ctr"/>
+          <a:lstStyle/>
+          <a:p>
+            <a:pPr algn="ctr"/>
+            <a:r>
+              <a:rPr lang="fr-FR" sz="1400" b="1" dirty="0"/>
+              <a:t>STX</a:t>
+            </a:r>
+          </a:p>
+        </p:txBody>
+      </p:sp>
+      <p:sp>
+        <p:nvSpPr>
+          <p:cNvPr id="46" name="Rectangle : coins arrondis 45">
+            <a:extLst>
+              <a:ext uri="{FF2B5EF4-FFF2-40B4-BE49-F238E27FC236}">
+                <a16:creationId xmlns:a16="http://schemas.microsoft.com/office/drawing/2014/main" id="{3FD91DE2-B771-291F-4750-0207B4145D16}"/>
+              </a:ext>
+            </a:extLst>
+          </p:cNvPr>
+          <p:cNvSpPr/>
+          <p:nvPr/>
+        </p:nvSpPr>
+        <p:spPr>
+          <a:xfrm>
+            <a:off x="752173" y="4407310"/>
+            <a:ext cx="565352" cy="390832"/>
+          </a:xfrm>
+          <a:prstGeom prst="roundRect">
+            <a:avLst/>
+          </a:prstGeom>
+          <a:gradFill flip="none" rotWithShape="1">
+            <a:gsLst>
+              <a:gs pos="0">
+                <a:schemeClr val="accent5">
+                  <a:lumMod val="67000"/>
+                </a:schemeClr>
+              </a:gs>
+              <a:gs pos="48000">
+                <a:schemeClr val="accent5">
+                  <a:lumMod val="97000"/>
+                  <a:lumOff val="3000"/>
+                </a:schemeClr>
+              </a:gs>
+              <a:gs pos="100000">
+                <a:schemeClr val="accent5">
+                  <a:lumMod val="60000"/>
+                  <a:lumOff val="40000"/>
+                </a:schemeClr>
+              </a:gs>
+            </a:gsLst>
+            <a:lin ang="16200000" scaled="1"/>
+            <a:tileRect/>
+          </a:gradFill>
+          <a:ln>
+            <a:noFill/>
+          </a:ln>
+        </p:spPr>
+        <p:style>
+          <a:lnRef idx="0">
+            <a:scrgbClr r="0" g="0" b="0"/>
+          </a:lnRef>
+          <a:fillRef idx="0">
+            <a:scrgbClr r="0" g="0" b="0"/>
+          </a:fillRef>
+          <a:effectRef idx="0">
+            <a:scrgbClr r="0" g="0" b="0"/>
+          </a:effectRef>
+          <a:fontRef idx="minor">
+            <a:schemeClr val="lt1"/>
+          </a:fontRef>
+        </p:style>
+        <p:txBody>
+          <a:bodyPr rtlCol="0" anchor="ctr"/>
+          <a:lstStyle/>
+          <a:p>
+            <a:pPr algn="ctr"/>
+            <a:r>
+              <a:rPr lang="fr-FR" sz="1400" b="1" dirty="0"/>
+              <a:t>LEN</a:t>
+            </a:r>
+          </a:p>
+        </p:txBody>
+      </p:sp>
+      <p:sp>
+        <p:nvSpPr>
+          <p:cNvPr id="47" name="Rectangle : coins arrondis 46">
+            <a:extLst>
+              <a:ext uri="{FF2B5EF4-FFF2-40B4-BE49-F238E27FC236}">
+                <a16:creationId xmlns:a16="http://schemas.microsoft.com/office/drawing/2014/main" id="{FE20BF63-91C7-6718-21B5-208513903A9E}"/>
+              </a:ext>
+            </a:extLst>
+          </p:cNvPr>
+          <p:cNvSpPr/>
+          <p:nvPr/>
+        </p:nvSpPr>
+        <p:spPr>
+          <a:xfrm>
+            <a:off x="1347024" y="4407310"/>
+            <a:ext cx="344124" cy="390832"/>
+          </a:xfrm>
+          <a:prstGeom prst="roundRect">
+            <a:avLst/>
+          </a:prstGeom>
+          <a:ln/>
+        </p:spPr>
+        <p:style>
+          <a:lnRef idx="0">
+            <a:schemeClr val="accent2"/>
+          </a:lnRef>
+          <a:fillRef idx="3">
+            <a:schemeClr val="accent2"/>
+          </a:fillRef>
+          <a:effectRef idx="3">
+            <a:schemeClr val="accent2"/>
+          </a:effectRef>
+          <a:fontRef idx="minor">
+            <a:schemeClr val="lt1"/>
+          </a:fontRef>
+        </p:style>
+        <p:txBody>
+          <a:bodyPr rtlCol="0" anchor="ctr"/>
+          <a:lstStyle/>
+          <a:p>
+            <a:pPr algn="ctr"/>
+            <a:r>
+              <a:rPr lang="fr-FR" b="1" dirty="0"/>
+              <a:t>p</a:t>
+            </a:r>
+          </a:p>
+        </p:txBody>
+      </p:sp>
+      <p:sp>
+        <p:nvSpPr>
+          <p:cNvPr id="48" name="Rectangle : coins arrondis 47">
+            <a:extLst>
+              <a:ext uri="{FF2B5EF4-FFF2-40B4-BE49-F238E27FC236}">
+                <a16:creationId xmlns:a16="http://schemas.microsoft.com/office/drawing/2014/main" id="{29E268F9-55FE-EEA6-EDDA-009043B0E031}"/>
+              </a:ext>
+            </a:extLst>
+          </p:cNvPr>
+          <p:cNvSpPr/>
+          <p:nvPr/>
+        </p:nvSpPr>
+        <p:spPr>
+          <a:xfrm>
+            <a:off x="2885783" y="4397478"/>
+            <a:ext cx="1106131" cy="390832"/>
+          </a:xfrm>
+          <a:prstGeom prst="roundRect">
+            <a:avLst/>
+          </a:prstGeom>
+          <a:ln/>
+        </p:spPr>
+        <p:style>
+          <a:lnRef idx="0">
+            <a:schemeClr val="accent6"/>
+          </a:lnRef>
+          <a:fillRef idx="3">
+            <a:schemeClr val="accent6"/>
+          </a:fillRef>
+          <a:effectRef idx="3">
+            <a:schemeClr val="accent6"/>
+          </a:effectRef>
+          <a:fontRef idx="minor">
+            <a:schemeClr val="lt1"/>
+          </a:fontRef>
+        </p:style>
+        <p:txBody>
+          <a:bodyPr rtlCol="0" anchor="ctr"/>
+          <a:lstStyle/>
+          <a:p>
+            <a:pPr algn="ctr"/>
+            <a:r>
+              <a:rPr lang="fr-FR" sz="1400" b="1" dirty="0"/>
+              <a:t>TICK</a:t>
+            </a:r>
+          </a:p>
+        </p:txBody>
+      </p:sp>
+      <p:sp>
+        <p:nvSpPr>
+          <p:cNvPr id="53" name="Rectangle : coins arrondis 52">
+            <a:extLst>
+              <a:ext uri="{FF2B5EF4-FFF2-40B4-BE49-F238E27FC236}">
+                <a16:creationId xmlns:a16="http://schemas.microsoft.com/office/drawing/2014/main" id="{B7F85C49-D71A-2984-564A-97F4010312F7}"/>
+              </a:ext>
+            </a:extLst>
+          </p:cNvPr>
+          <p:cNvSpPr/>
+          <p:nvPr/>
+        </p:nvSpPr>
+        <p:spPr>
+          <a:xfrm>
+            <a:off x="1715729" y="4407310"/>
+            <a:ext cx="565352" cy="390832"/>
+          </a:xfrm>
+          <a:prstGeom prst="roundRect">
+            <a:avLst/>
+          </a:prstGeom>
+          <a:gradFill flip="none" rotWithShape="1">
+            <a:gsLst>
+              <a:gs pos="0">
+                <a:schemeClr val="accent6">
+                  <a:lumMod val="67000"/>
+                </a:schemeClr>
+              </a:gs>
+              <a:gs pos="48000">
+                <a:schemeClr val="accent6">
+                  <a:lumMod val="97000"/>
+                  <a:lumOff val="3000"/>
+                </a:schemeClr>
+              </a:gs>
+              <a:gs pos="100000">
+                <a:schemeClr val="accent6">
+                  <a:lumMod val="60000"/>
+                  <a:lumOff val="40000"/>
+                </a:schemeClr>
+              </a:gs>
+            </a:gsLst>
+            <a:lin ang="16200000" scaled="1"/>
+            <a:tileRect/>
+          </a:gradFill>
+          <a:ln>
+            <a:noFill/>
+          </a:ln>
+        </p:spPr>
+        <p:style>
+          <a:lnRef idx="0">
+            <a:scrgbClr r="0" g="0" b="0"/>
+          </a:lnRef>
+          <a:fillRef idx="0">
+            <a:scrgbClr r="0" g="0" b="0"/>
+          </a:fillRef>
+          <a:effectRef idx="0">
+            <a:scrgbClr r="0" g="0" b="0"/>
+          </a:effectRef>
+          <a:fontRef idx="minor">
+            <a:schemeClr val="lt1"/>
+          </a:fontRef>
+        </p:style>
+        <p:txBody>
+          <a:bodyPr rtlCol="0" anchor="ctr"/>
+          <a:lstStyle/>
+          <a:p>
+            <a:pPr algn="ctr"/>
+            <a:r>
+              <a:rPr lang="fr-FR" sz="1400" b="1" dirty="0"/>
+              <a:t>@</a:t>
+            </a:r>
+          </a:p>
+        </p:txBody>
+      </p:sp>
+      <p:sp>
+        <p:nvSpPr>
+          <p:cNvPr id="54" name="Rectangle : coins arrondis 53">
+            <a:extLst>
+              <a:ext uri="{FF2B5EF4-FFF2-40B4-BE49-F238E27FC236}">
+                <a16:creationId xmlns:a16="http://schemas.microsoft.com/office/drawing/2014/main" id="{F4C9B2A5-ED71-18DB-0A08-7F47BB1A0AB7}"/>
+              </a:ext>
+            </a:extLst>
+          </p:cNvPr>
+          <p:cNvSpPr/>
+          <p:nvPr/>
+        </p:nvSpPr>
+        <p:spPr>
+          <a:xfrm>
+            <a:off x="2300756" y="4397478"/>
+            <a:ext cx="565352" cy="390832"/>
+          </a:xfrm>
+          <a:prstGeom prst="roundRect">
+            <a:avLst/>
+          </a:prstGeom>
+          <a:gradFill flip="none" rotWithShape="1">
+            <a:gsLst>
+              <a:gs pos="0">
+                <a:schemeClr val="accent6">
+                  <a:lumMod val="67000"/>
+                </a:schemeClr>
+              </a:gs>
+              <a:gs pos="48000">
+                <a:schemeClr val="accent6">
+                  <a:lumMod val="97000"/>
+                  <a:lumOff val="3000"/>
+                </a:schemeClr>
+              </a:gs>
+              <a:gs pos="100000">
+                <a:schemeClr val="accent6">
+                  <a:lumMod val="60000"/>
+                  <a:lumOff val="40000"/>
+                </a:schemeClr>
+              </a:gs>
+            </a:gsLst>
+            <a:lin ang="16200000" scaled="1"/>
+            <a:tileRect/>
+          </a:gradFill>
+          <a:ln>
+            <a:noFill/>
+          </a:ln>
+        </p:spPr>
+        <p:style>
+          <a:lnRef idx="0">
+            <a:scrgbClr r="0" g="0" b="0"/>
+          </a:lnRef>
+          <a:fillRef idx="0">
+            <a:scrgbClr r="0" g="0" b="0"/>
+          </a:fillRef>
+          <a:effectRef idx="0">
+            <a:scrgbClr r="0" g="0" b="0"/>
+          </a:effectRef>
+          <a:fontRef idx="minor">
+            <a:schemeClr val="lt1"/>
+          </a:fontRef>
+        </p:style>
+        <p:txBody>
+          <a:bodyPr rtlCol="0" anchor="ctr"/>
+          <a:lstStyle/>
+          <a:p>
+            <a:pPr algn="ctr"/>
+            <a:r>
+              <a:rPr lang="fr-FR" sz="1400" b="1" dirty="0"/>
+              <a:t>ST</a:t>
+            </a:r>
+          </a:p>
+        </p:txBody>
+      </p:sp>
+      <p:sp>
+        <p:nvSpPr>
+          <p:cNvPr id="55" name="Rectangle : coins arrondis 54">
+            <a:extLst>
+              <a:ext uri="{FF2B5EF4-FFF2-40B4-BE49-F238E27FC236}">
+                <a16:creationId xmlns:a16="http://schemas.microsoft.com/office/drawing/2014/main" id="{1194279B-CA33-E4AE-FB5F-FD6689BFDC77}"/>
+              </a:ext>
+            </a:extLst>
+          </p:cNvPr>
+          <p:cNvSpPr/>
+          <p:nvPr/>
+        </p:nvSpPr>
+        <p:spPr>
+          <a:xfrm>
+            <a:off x="4026276" y="4407310"/>
+            <a:ext cx="1106131" cy="390832"/>
+          </a:xfrm>
+          <a:prstGeom prst="roundRect">
+            <a:avLst/>
+          </a:prstGeom>
+          <a:ln/>
+        </p:spPr>
+        <p:style>
+          <a:lnRef idx="0">
+            <a:schemeClr val="accent6"/>
+          </a:lnRef>
+          <a:fillRef idx="3">
+            <a:schemeClr val="accent6"/>
+          </a:fillRef>
+          <a:effectRef idx="3">
+            <a:schemeClr val="accent6"/>
+          </a:effectRef>
+          <a:fontRef idx="minor">
+            <a:schemeClr val="lt1"/>
+          </a:fontRef>
+        </p:style>
+        <p:txBody>
+          <a:bodyPr rtlCol="0" anchor="ctr"/>
+          <a:lstStyle/>
+          <a:p>
+            <a:pPr algn="ctr"/>
+            <a:r>
+              <a:rPr lang="fr-FR" sz="1400" b="1" dirty="0"/>
+              <a:t>TEMP</a:t>
+            </a:r>
+          </a:p>
+        </p:txBody>
+      </p:sp>
+      <p:sp>
+        <p:nvSpPr>
+          <p:cNvPr id="56" name="Rectangle : coins arrondis 55">
+            <a:extLst>
+              <a:ext uri="{FF2B5EF4-FFF2-40B4-BE49-F238E27FC236}">
+                <a16:creationId xmlns:a16="http://schemas.microsoft.com/office/drawing/2014/main" id="{C78D2638-76F7-9BBE-A13D-A8117BE20570}"/>
+              </a:ext>
+            </a:extLst>
+          </p:cNvPr>
+          <p:cNvSpPr/>
+          <p:nvPr/>
+        </p:nvSpPr>
+        <p:spPr>
+          <a:xfrm>
+            <a:off x="5174217" y="4397478"/>
+            <a:ext cx="1106131" cy="390832"/>
+          </a:xfrm>
+          <a:prstGeom prst="roundRect">
+            <a:avLst/>
+          </a:prstGeom>
+          <a:ln/>
+        </p:spPr>
+        <p:style>
+          <a:lnRef idx="0">
+            <a:schemeClr val="accent6"/>
+          </a:lnRef>
+          <a:fillRef idx="3">
+            <a:schemeClr val="accent6"/>
+          </a:fillRef>
+          <a:effectRef idx="3">
+            <a:schemeClr val="accent6"/>
+          </a:effectRef>
+          <a:fontRef idx="minor">
+            <a:schemeClr val="lt1"/>
+          </a:fontRef>
+        </p:style>
+        <p:txBody>
+          <a:bodyPr rtlCol="0" anchor="ctr"/>
+          <a:lstStyle/>
+          <a:p>
+            <a:pPr algn="ctr"/>
+            <a:r>
+              <a:rPr lang="fr-FR" sz="1400" b="1" dirty="0"/>
+              <a:t>HUM</a:t>
+            </a:r>
+          </a:p>
+        </p:txBody>
+      </p:sp>
+      <p:sp>
+        <p:nvSpPr>
+          <p:cNvPr id="57" name="Rectangle : coins arrondis 56">
+            <a:extLst>
+              <a:ext uri="{FF2B5EF4-FFF2-40B4-BE49-F238E27FC236}">
+                <a16:creationId xmlns:a16="http://schemas.microsoft.com/office/drawing/2014/main" id="{A93AEB83-B94B-90F4-6841-2E6179856371}"/>
+              </a:ext>
+            </a:extLst>
+          </p:cNvPr>
+          <p:cNvSpPr/>
+          <p:nvPr/>
+        </p:nvSpPr>
+        <p:spPr>
+          <a:xfrm>
+            <a:off x="6319674" y="4397478"/>
+            <a:ext cx="1106131" cy="390832"/>
+          </a:xfrm>
+          <a:prstGeom prst="roundRect">
+            <a:avLst/>
+          </a:prstGeom>
+          <a:ln/>
+        </p:spPr>
+        <p:style>
+          <a:lnRef idx="0">
+            <a:schemeClr val="accent6"/>
+          </a:lnRef>
+          <a:fillRef idx="3">
+            <a:schemeClr val="accent6"/>
+          </a:fillRef>
+          <a:effectRef idx="3">
+            <a:schemeClr val="accent6"/>
+          </a:effectRef>
+          <a:fontRef idx="minor">
+            <a:schemeClr val="lt1"/>
+          </a:fontRef>
+        </p:style>
+        <p:txBody>
+          <a:bodyPr rtlCol="0" anchor="ctr"/>
+          <a:lstStyle/>
+          <a:p>
+            <a:pPr algn="ctr"/>
+            <a:r>
+              <a:rPr lang="fr-FR" sz="1400" b="1" dirty="0"/>
+              <a:t>VOLT</a:t>
+            </a:r>
+          </a:p>
+        </p:txBody>
+      </p:sp>
+      <p:sp>
+        <p:nvSpPr>
+          <p:cNvPr id="58" name="Rectangle : coins arrondis 57">
+            <a:extLst>
+              <a:ext uri="{FF2B5EF4-FFF2-40B4-BE49-F238E27FC236}">
+                <a16:creationId xmlns:a16="http://schemas.microsoft.com/office/drawing/2014/main" id="{B54B022B-FF33-4986-559B-32B6FAE6C6D7}"/>
+              </a:ext>
+            </a:extLst>
+          </p:cNvPr>
+          <p:cNvSpPr/>
+          <p:nvPr/>
+        </p:nvSpPr>
+        <p:spPr>
+          <a:xfrm>
+            <a:off x="7465140" y="4394350"/>
+            <a:ext cx="1106131" cy="390832"/>
+          </a:xfrm>
+          <a:prstGeom prst="roundRect">
+            <a:avLst/>
+          </a:prstGeom>
+          <a:ln/>
+        </p:spPr>
+        <p:style>
+          <a:lnRef idx="0">
+            <a:schemeClr val="accent6"/>
+          </a:lnRef>
+          <a:fillRef idx="3">
+            <a:schemeClr val="accent6"/>
+          </a:fillRef>
+          <a:effectRef idx="3">
+            <a:schemeClr val="accent6"/>
+          </a:effectRef>
+          <a:fontRef idx="minor">
+            <a:schemeClr val="lt1"/>
+          </a:fontRef>
+        </p:style>
+        <p:txBody>
+          <a:bodyPr rtlCol="0" anchor="ctr"/>
+          <a:lstStyle/>
+          <a:p>
+            <a:pPr algn="ctr"/>
+            <a:r>
+              <a:rPr lang="fr-FR" sz="1400" b="1" dirty="0"/>
+              <a:t>TOT TIME</a:t>
+            </a:r>
+          </a:p>
+        </p:txBody>
+      </p:sp>
+      <p:sp>
+        <p:nvSpPr>
+          <p:cNvPr id="59" name="Rectangle : coins arrondis 58">
+            <a:extLst>
+              <a:ext uri="{FF2B5EF4-FFF2-40B4-BE49-F238E27FC236}">
+                <a16:creationId xmlns:a16="http://schemas.microsoft.com/office/drawing/2014/main" id="{DB2D6ECD-A79D-A443-985E-BA3576EFF47D}"/>
+              </a:ext>
+            </a:extLst>
+          </p:cNvPr>
+          <p:cNvSpPr/>
+          <p:nvPr/>
+        </p:nvSpPr>
+        <p:spPr>
+          <a:xfrm>
+            <a:off x="8615465" y="4394350"/>
+            <a:ext cx="1106131" cy="390832"/>
+          </a:xfrm>
+          <a:prstGeom prst="roundRect">
+            <a:avLst/>
+          </a:prstGeom>
+          <a:ln/>
+        </p:spPr>
+        <p:style>
+          <a:lnRef idx="0">
+            <a:schemeClr val="accent6"/>
+          </a:lnRef>
+          <a:fillRef idx="3">
+            <a:schemeClr val="accent6"/>
+          </a:fillRef>
+          <a:effectRef idx="3">
+            <a:schemeClr val="accent6"/>
+          </a:effectRef>
+          <a:fontRef idx="minor">
+            <a:schemeClr val="lt1"/>
+          </a:fontRef>
+        </p:style>
+        <p:txBody>
+          <a:bodyPr rtlCol="0" anchor="ctr"/>
+          <a:lstStyle/>
+          <a:p>
+            <a:pPr algn="ctr"/>
+            <a:r>
+              <a:rPr lang="fr-FR" sz="1400" b="1" dirty="0"/>
+              <a:t>TOT ERRS</a:t>
+            </a:r>
+          </a:p>
+        </p:txBody>
+      </p:sp>
+      <p:sp>
+        <p:nvSpPr>
+          <p:cNvPr id="60" name="Rectangle : coins arrondis 59">
+            <a:extLst>
+              <a:ext uri="{FF2B5EF4-FFF2-40B4-BE49-F238E27FC236}">
+                <a16:creationId xmlns:a16="http://schemas.microsoft.com/office/drawing/2014/main" id="{0CFF3A8C-5095-EC02-C2BA-6028B71D53C6}"/>
+              </a:ext>
+            </a:extLst>
+          </p:cNvPr>
+          <p:cNvSpPr/>
+          <p:nvPr/>
+        </p:nvSpPr>
+        <p:spPr>
+          <a:xfrm>
+            <a:off x="9763406" y="4394350"/>
+            <a:ext cx="1106131" cy="390832"/>
+          </a:xfrm>
+          <a:prstGeom prst="roundRect">
+            <a:avLst/>
+          </a:prstGeom>
+          <a:ln/>
+        </p:spPr>
+        <p:style>
+          <a:lnRef idx="0">
+            <a:schemeClr val="accent6"/>
+          </a:lnRef>
+          <a:fillRef idx="3">
+            <a:schemeClr val="accent6"/>
+          </a:fillRef>
+          <a:effectRef idx="3">
+            <a:schemeClr val="accent6"/>
+          </a:effectRef>
+          <a:fontRef idx="minor">
+            <a:schemeClr val="lt1"/>
+          </a:fontRef>
+        </p:style>
+        <p:txBody>
+          <a:bodyPr rtlCol="0" anchor="ctr"/>
+          <a:lstStyle/>
+          <a:p>
+            <a:pPr algn="ctr"/>
+            <a:r>
+              <a:rPr lang="fr-FR" sz="1400" b="1" dirty="0"/>
+              <a:t>FLOW</a:t>
+            </a:r>
+          </a:p>
+        </p:txBody>
+      </p:sp>
+      <p:sp>
+        <p:nvSpPr>
+          <p:cNvPr id="61" name="Rectangle : coins arrondis 60">
+            <a:extLst>
+              <a:ext uri="{FF2B5EF4-FFF2-40B4-BE49-F238E27FC236}">
+                <a16:creationId xmlns:a16="http://schemas.microsoft.com/office/drawing/2014/main" id="{6833E070-CA3A-F377-7BF0-0EDB4CCEA2AB}"/>
+              </a:ext>
+            </a:extLst>
+          </p:cNvPr>
+          <p:cNvSpPr/>
+          <p:nvPr/>
+        </p:nvSpPr>
+        <p:spPr>
+          <a:xfrm>
+            <a:off x="10889212" y="4394350"/>
+            <a:ext cx="565352" cy="390832"/>
+          </a:xfrm>
+          <a:prstGeom prst="roundRect">
+            <a:avLst/>
+          </a:prstGeom>
+          <a:ln/>
+        </p:spPr>
+        <p:style>
+          <a:lnRef idx="0">
+            <a:schemeClr val="accent4"/>
+          </a:lnRef>
+          <a:fillRef idx="3">
+            <a:schemeClr val="accent4"/>
+          </a:fillRef>
+          <a:effectRef idx="3">
+            <a:schemeClr val="accent4"/>
+          </a:effectRef>
+          <a:fontRef idx="minor">
+            <a:schemeClr val="lt1"/>
+          </a:fontRef>
+        </p:style>
+        <p:txBody>
+          <a:bodyPr rtlCol="0" anchor="ctr"/>
+          <a:lstStyle/>
+          <a:p>
+            <a:pPr algn="ctr"/>
+            <a:r>
+              <a:rPr lang="fr-FR" sz="1400" b="1" dirty="0"/>
+              <a:t>CS</a:t>
+            </a:r>
+          </a:p>
+        </p:txBody>
+      </p:sp>
+      <p:sp>
+        <p:nvSpPr>
+          <p:cNvPr id="62" name="Rectangle : coins arrondis 61">
+            <a:extLst>
+              <a:ext uri="{FF2B5EF4-FFF2-40B4-BE49-F238E27FC236}">
+                <a16:creationId xmlns:a16="http://schemas.microsoft.com/office/drawing/2014/main" id="{3AF44654-33F2-737A-CD92-34DF50BBB79A}"/>
+              </a:ext>
+            </a:extLst>
+          </p:cNvPr>
+          <p:cNvSpPr/>
+          <p:nvPr/>
+        </p:nvSpPr>
+        <p:spPr>
+          <a:xfrm>
+            <a:off x="10323860" y="5378248"/>
+            <a:ext cx="565352" cy="390832"/>
+          </a:xfrm>
+          <a:prstGeom prst="roundRect">
+            <a:avLst/>
+          </a:prstGeom>
+          <a:gradFill flip="none" rotWithShape="1">
+            <a:gsLst>
+              <a:gs pos="0">
+                <a:schemeClr val="accent5">
+                  <a:lumMod val="67000"/>
+                </a:schemeClr>
+              </a:gs>
+              <a:gs pos="48000">
+                <a:schemeClr val="accent5">
+                  <a:lumMod val="97000"/>
+                  <a:lumOff val="3000"/>
+                </a:schemeClr>
+              </a:gs>
+              <a:gs pos="100000">
+                <a:schemeClr val="accent5">
+                  <a:lumMod val="60000"/>
+                  <a:lumOff val="40000"/>
+                </a:schemeClr>
+              </a:gs>
+            </a:gsLst>
+            <a:lin ang="16200000" scaled="1"/>
+            <a:tileRect/>
+          </a:gradFill>
+          <a:ln>
+            <a:noFill/>
+          </a:ln>
+        </p:spPr>
+        <p:style>
+          <a:lnRef idx="0">
+            <a:scrgbClr r="0" g="0" b="0"/>
+          </a:lnRef>
+          <a:fillRef idx="0">
+            <a:scrgbClr r="0" g="0" b="0"/>
+          </a:fillRef>
+          <a:effectRef idx="0">
+            <a:scrgbClr r="0" g="0" b="0"/>
+          </a:effectRef>
+          <a:fontRef idx="minor">
+            <a:schemeClr val="lt1"/>
+          </a:fontRef>
+        </p:style>
+        <p:txBody>
+          <a:bodyPr rtlCol="0" anchor="ctr"/>
+          <a:lstStyle/>
+          <a:p>
+            <a:pPr algn="ctr"/>
+            <a:r>
+              <a:rPr lang="fr-FR" sz="1400" b="1" dirty="0"/>
+              <a:t>STX</a:t>
+            </a:r>
+          </a:p>
+        </p:txBody>
+      </p:sp>
+      <p:sp>
+        <p:nvSpPr>
+          <p:cNvPr id="63" name="Rectangle : coins arrondis 62">
+            <a:extLst>
+              <a:ext uri="{FF2B5EF4-FFF2-40B4-BE49-F238E27FC236}">
+                <a16:creationId xmlns:a16="http://schemas.microsoft.com/office/drawing/2014/main" id="{5ABB8B9E-AC6D-FCB8-36BD-94E1600A32BB}"/>
+              </a:ext>
+            </a:extLst>
+          </p:cNvPr>
+          <p:cNvSpPr/>
+          <p:nvPr/>
+        </p:nvSpPr>
+        <p:spPr>
+          <a:xfrm>
+            <a:off x="717811" y="5391208"/>
+            <a:ext cx="565352" cy="390832"/>
+          </a:xfrm>
+          <a:prstGeom prst="roundRect">
+            <a:avLst/>
+          </a:prstGeom>
+          <a:gradFill flip="none" rotWithShape="1">
+            <a:gsLst>
+              <a:gs pos="0">
+                <a:schemeClr val="accent5">
+                  <a:lumMod val="67000"/>
+                </a:schemeClr>
+              </a:gs>
+              <a:gs pos="48000">
+                <a:schemeClr val="accent5">
+                  <a:lumMod val="97000"/>
+                  <a:lumOff val="3000"/>
+                </a:schemeClr>
+              </a:gs>
+              <a:gs pos="100000">
+                <a:schemeClr val="accent5">
+                  <a:lumMod val="60000"/>
+                  <a:lumOff val="40000"/>
+                </a:schemeClr>
+              </a:gs>
+            </a:gsLst>
+            <a:lin ang="16200000" scaled="1"/>
+            <a:tileRect/>
+          </a:gradFill>
+          <a:ln>
+            <a:noFill/>
+          </a:ln>
+        </p:spPr>
+        <p:style>
+          <a:lnRef idx="0">
+            <a:scrgbClr r="0" g="0" b="0"/>
+          </a:lnRef>
+          <a:fillRef idx="0">
+            <a:scrgbClr r="0" g="0" b="0"/>
+          </a:fillRef>
+          <a:effectRef idx="0">
+            <a:scrgbClr r="0" g="0" b="0"/>
+          </a:effectRef>
+          <a:fontRef idx="minor">
+            <a:schemeClr val="lt1"/>
+          </a:fontRef>
+        </p:style>
+        <p:txBody>
+          <a:bodyPr rtlCol="0" anchor="ctr"/>
+          <a:lstStyle/>
+          <a:p>
+            <a:pPr algn="ctr"/>
+            <a:r>
+              <a:rPr lang="fr-FR" sz="1400" b="1" dirty="0"/>
+              <a:t>LEN</a:t>
+            </a:r>
+          </a:p>
+        </p:txBody>
+      </p:sp>
+      <p:sp>
+        <p:nvSpPr>
+          <p:cNvPr id="64" name="Rectangle : coins arrondis 63">
+            <a:extLst>
+              <a:ext uri="{FF2B5EF4-FFF2-40B4-BE49-F238E27FC236}">
+                <a16:creationId xmlns:a16="http://schemas.microsoft.com/office/drawing/2014/main" id="{BF07D7B3-4235-55EF-D3DB-2C440237B1A2}"/>
+              </a:ext>
+            </a:extLst>
+          </p:cNvPr>
+          <p:cNvSpPr/>
+          <p:nvPr/>
+        </p:nvSpPr>
+        <p:spPr>
+          <a:xfrm>
+            <a:off x="1312662" y="5391208"/>
+            <a:ext cx="344124" cy="390832"/>
+          </a:xfrm>
+          <a:prstGeom prst="roundRect">
+            <a:avLst/>
+          </a:prstGeom>
+          <a:ln/>
+        </p:spPr>
+        <p:style>
+          <a:lnRef idx="0">
+            <a:schemeClr val="accent2"/>
+          </a:lnRef>
+          <a:fillRef idx="3">
+            <a:schemeClr val="accent2"/>
+          </a:fillRef>
+          <a:effectRef idx="3">
+            <a:schemeClr val="accent2"/>
+          </a:effectRef>
+          <a:fontRef idx="minor">
+            <a:schemeClr val="lt1"/>
+          </a:fontRef>
+        </p:style>
+        <p:txBody>
+          <a:bodyPr rtlCol="0" anchor="ctr"/>
+          <a:lstStyle/>
+          <a:p>
+            <a:pPr algn="ctr"/>
+            <a:r>
+              <a:rPr lang="fr-FR" b="1" dirty="0"/>
+              <a:t>p</a:t>
+            </a:r>
+          </a:p>
+        </p:txBody>
+      </p:sp>
+      <p:sp>
+        <p:nvSpPr>
+          <p:cNvPr id="65" name="Rectangle : coins arrondis 64">
+            <a:extLst>
+              <a:ext uri="{FF2B5EF4-FFF2-40B4-BE49-F238E27FC236}">
+                <a16:creationId xmlns:a16="http://schemas.microsoft.com/office/drawing/2014/main" id="{58C35FD4-9435-F87E-E16A-C43D3116DFCA}"/>
+              </a:ext>
+            </a:extLst>
+          </p:cNvPr>
+          <p:cNvSpPr/>
+          <p:nvPr/>
+        </p:nvSpPr>
+        <p:spPr>
+          <a:xfrm>
+            <a:off x="2851421" y="5381376"/>
+            <a:ext cx="1106131" cy="390832"/>
+          </a:xfrm>
+          <a:prstGeom prst="roundRect">
+            <a:avLst/>
+          </a:prstGeom>
+          <a:ln/>
+        </p:spPr>
+        <p:style>
+          <a:lnRef idx="0">
+            <a:schemeClr val="accent6"/>
+          </a:lnRef>
+          <a:fillRef idx="3">
+            <a:schemeClr val="accent6"/>
+          </a:fillRef>
+          <a:effectRef idx="3">
+            <a:schemeClr val="accent6"/>
+          </a:effectRef>
+          <a:fontRef idx="minor">
+            <a:schemeClr val="lt1"/>
+          </a:fontRef>
+        </p:style>
+        <p:txBody>
+          <a:bodyPr rtlCol="0" anchor="ctr"/>
+          <a:lstStyle/>
+          <a:p>
+            <a:pPr algn="ctr"/>
+            <a:r>
+              <a:rPr lang="fr-FR" sz="1400" b="1" dirty="0"/>
+              <a:t>TICK</a:t>
+            </a:r>
+          </a:p>
+        </p:txBody>
+      </p:sp>
+      <p:sp>
+        <p:nvSpPr>
+          <p:cNvPr id="66" name="Rectangle : coins arrondis 65">
+            <a:extLst>
+              <a:ext uri="{FF2B5EF4-FFF2-40B4-BE49-F238E27FC236}">
+                <a16:creationId xmlns:a16="http://schemas.microsoft.com/office/drawing/2014/main" id="{6B985B1A-4BC3-9449-B4BE-BD87F18D3233}"/>
+              </a:ext>
+            </a:extLst>
+          </p:cNvPr>
+          <p:cNvSpPr/>
+          <p:nvPr/>
+        </p:nvSpPr>
+        <p:spPr>
+          <a:xfrm>
+            <a:off x="1681367" y="5391208"/>
+            <a:ext cx="565352" cy="390832"/>
+          </a:xfrm>
+          <a:prstGeom prst="roundRect">
+            <a:avLst/>
+          </a:prstGeom>
+          <a:gradFill flip="none" rotWithShape="1">
+            <a:gsLst>
+              <a:gs pos="0">
+                <a:schemeClr val="accent6">
+                  <a:lumMod val="67000"/>
+                </a:schemeClr>
+              </a:gs>
+              <a:gs pos="48000">
+                <a:schemeClr val="accent6">
+                  <a:lumMod val="97000"/>
+                  <a:lumOff val="3000"/>
+                </a:schemeClr>
+              </a:gs>
+              <a:gs pos="100000">
+                <a:schemeClr val="accent6">
+                  <a:lumMod val="60000"/>
+                  <a:lumOff val="40000"/>
+                </a:schemeClr>
+              </a:gs>
+            </a:gsLst>
+            <a:lin ang="16200000" scaled="1"/>
+            <a:tileRect/>
+          </a:gradFill>
+          <a:ln>
+            <a:noFill/>
+          </a:ln>
+        </p:spPr>
+        <p:style>
+          <a:lnRef idx="0">
+            <a:scrgbClr r="0" g="0" b="0"/>
+          </a:lnRef>
+          <a:fillRef idx="0">
+            <a:scrgbClr r="0" g="0" b="0"/>
+          </a:fillRef>
+          <a:effectRef idx="0">
+            <a:scrgbClr r="0" g="0" b="0"/>
+          </a:effectRef>
+          <a:fontRef idx="minor">
+            <a:schemeClr val="lt1"/>
+          </a:fontRef>
+        </p:style>
+        <p:txBody>
+          <a:bodyPr rtlCol="0" anchor="ctr"/>
+          <a:lstStyle/>
+          <a:p>
+            <a:pPr algn="ctr"/>
+            <a:r>
+              <a:rPr lang="fr-FR" sz="1400" b="1" dirty="0"/>
+              <a:t>@</a:t>
+            </a:r>
+          </a:p>
+        </p:txBody>
+      </p:sp>
+      <p:sp>
+        <p:nvSpPr>
+          <p:cNvPr id="67" name="Rectangle : coins arrondis 66">
+            <a:extLst>
+              <a:ext uri="{FF2B5EF4-FFF2-40B4-BE49-F238E27FC236}">
+                <a16:creationId xmlns:a16="http://schemas.microsoft.com/office/drawing/2014/main" id="{8AE43C0A-EEA6-6225-246B-CB3CB91113C9}"/>
+              </a:ext>
+            </a:extLst>
+          </p:cNvPr>
+          <p:cNvSpPr/>
+          <p:nvPr/>
+        </p:nvSpPr>
+        <p:spPr>
+          <a:xfrm>
+            <a:off x="2266394" y="5381376"/>
+            <a:ext cx="565352" cy="390832"/>
+          </a:xfrm>
+          <a:prstGeom prst="roundRect">
+            <a:avLst/>
+          </a:prstGeom>
+          <a:gradFill flip="none" rotWithShape="1">
+            <a:gsLst>
+              <a:gs pos="0">
+                <a:schemeClr val="accent6">
+                  <a:lumMod val="67000"/>
+                </a:schemeClr>
+              </a:gs>
+              <a:gs pos="48000">
+                <a:schemeClr val="accent6">
+                  <a:lumMod val="97000"/>
+                  <a:lumOff val="3000"/>
+                </a:schemeClr>
+              </a:gs>
+              <a:gs pos="100000">
+                <a:schemeClr val="accent6">
+                  <a:lumMod val="60000"/>
+                  <a:lumOff val="40000"/>
+                </a:schemeClr>
+              </a:gs>
+            </a:gsLst>
+            <a:lin ang="16200000" scaled="1"/>
+            <a:tileRect/>
+          </a:gradFill>
+          <a:ln>
+            <a:noFill/>
+          </a:ln>
+        </p:spPr>
+        <p:style>
+          <a:lnRef idx="0">
+            <a:scrgbClr r="0" g="0" b="0"/>
+          </a:lnRef>
+          <a:fillRef idx="0">
+            <a:scrgbClr r="0" g="0" b="0"/>
+          </a:fillRef>
+          <a:effectRef idx="0">
+            <a:scrgbClr r="0" g="0" b="0"/>
+          </a:effectRef>
+          <a:fontRef idx="minor">
+            <a:schemeClr val="lt1"/>
+          </a:fontRef>
+        </p:style>
+        <p:txBody>
+          <a:bodyPr rtlCol="0" anchor="ctr"/>
+          <a:lstStyle/>
+          <a:p>
+            <a:pPr algn="ctr"/>
+            <a:r>
+              <a:rPr lang="fr-FR" sz="1400" b="1" dirty="0"/>
+              <a:t>ST</a:t>
+            </a:r>
+          </a:p>
+        </p:txBody>
+      </p:sp>
+      <p:sp>
+        <p:nvSpPr>
+          <p:cNvPr id="68" name="Rectangle : coins arrondis 67">
+            <a:extLst>
+              <a:ext uri="{FF2B5EF4-FFF2-40B4-BE49-F238E27FC236}">
+                <a16:creationId xmlns:a16="http://schemas.microsoft.com/office/drawing/2014/main" id="{626222D5-F121-EE54-58E1-6C92E1931CE7}"/>
+              </a:ext>
+            </a:extLst>
+          </p:cNvPr>
+          <p:cNvSpPr/>
+          <p:nvPr/>
+        </p:nvSpPr>
+        <p:spPr>
+          <a:xfrm>
+            <a:off x="3991914" y="5391208"/>
+            <a:ext cx="1106131" cy="390832"/>
+          </a:xfrm>
+          <a:prstGeom prst="roundRect">
+            <a:avLst/>
+          </a:prstGeom>
+          <a:ln/>
+        </p:spPr>
+        <p:style>
+          <a:lnRef idx="0">
+            <a:schemeClr val="accent6"/>
+          </a:lnRef>
+          <a:fillRef idx="3">
+            <a:schemeClr val="accent6"/>
+          </a:fillRef>
+          <a:effectRef idx="3">
+            <a:schemeClr val="accent6"/>
+          </a:effectRef>
+          <a:fontRef idx="minor">
+            <a:schemeClr val="lt1"/>
+          </a:fontRef>
+        </p:style>
+        <p:txBody>
+          <a:bodyPr rtlCol="0" anchor="ctr"/>
+          <a:lstStyle/>
+          <a:p>
+            <a:pPr algn="ctr"/>
+            <a:r>
+              <a:rPr lang="fr-FR" sz="1400" b="1" dirty="0"/>
+              <a:t>TEMP</a:t>
+            </a:r>
+          </a:p>
+        </p:txBody>
+      </p:sp>
+      <p:sp>
+        <p:nvSpPr>
+          <p:cNvPr id="69" name="Rectangle : coins arrondis 68">
+            <a:extLst>
+              <a:ext uri="{FF2B5EF4-FFF2-40B4-BE49-F238E27FC236}">
+                <a16:creationId xmlns:a16="http://schemas.microsoft.com/office/drawing/2014/main" id="{5AA5A187-8088-0E13-AA6D-136B8A6CE303}"/>
+              </a:ext>
+            </a:extLst>
+          </p:cNvPr>
+          <p:cNvSpPr/>
+          <p:nvPr/>
+        </p:nvSpPr>
+        <p:spPr>
+          <a:xfrm>
+            <a:off x="5139855" y="5381376"/>
+            <a:ext cx="1106131" cy="390832"/>
+          </a:xfrm>
+          <a:prstGeom prst="roundRect">
+            <a:avLst/>
+          </a:prstGeom>
+          <a:ln/>
+        </p:spPr>
+        <p:style>
+          <a:lnRef idx="0">
+            <a:schemeClr val="accent6"/>
+          </a:lnRef>
+          <a:fillRef idx="3">
+            <a:schemeClr val="accent6"/>
+          </a:fillRef>
+          <a:effectRef idx="3">
+            <a:schemeClr val="accent6"/>
+          </a:effectRef>
+          <a:fontRef idx="minor">
+            <a:schemeClr val="lt1"/>
+          </a:fontRef>
+        </p:style>
+        <p:txBody>
+          <a:bodyPr rtlCol="0" anchor="ctr"/>
+          <a:lstStyle/>
+          <a:p>
+            <a:pPr algn="ctr"/>
+            <a:r>
+              <a:rPr lang="fr-FR" sz="1400" b="1" dirty="0"/>
+              <a:t>HUM</a:t>
+            </a:r>
+          </a:p>
+        </p:txBody>
+      </p:sp>
+      <p:sp>
+        <p:nvSpPr>
+          <p:cNvPr id="70" name="Rectangle : coins arrondis 69">
+            <a:extLst>
+              <a:ext uri="{FF2B5EF4-FFF2-40B4-BE49-F238E27FC236}">
+                <a16:creationId xmlns:a16="http://schemas.microsoft.com/office/drawing/2014/main" id="{A1B46132-E48D-8F7E-9501-4E7E9012DACC}"/>
+              </a:ext>
+            </a:extLst>
+          </p:cNvPr>
+          <p:cNvSpPr/>
+          <p:nvPr/>
+        </p:nvSpPr>
+        <p:spPr>
+          <a:xfrm>
+            <a:off x="6285312" y="5381376"/>
+            <a:ext cx="1106131" cy="390832"/>
+          </a:xfrm>
+          <a:prstGeom prst="roundRect">
+            <a:avLst/>
+          </a:prstGeom>
+          <a:ln/>
+        </p:spPr>
+        <p:style>
+          <a:lnRef idx="0">
+            <a:schemeClr val="accent6"/>
+          </a:lnRef>
+          <a:fillRef idx="3">
+            <a:schemeClr val="accent6"/>
+          </a:fillRef>
+          <a:effectRef idx="3">
+            <a:schemeClr val="accent6"/>
+          </a:effectRef>
+          <a:fontRef idx="minor">
+            <a:schemeClr val="lt1"/>
+          </a:fontRef>
+        </p:style>
+        <p:txBody>
+          <a:bodyPr rtlCol="0" anchor="ctr"/>
+          <a:lstStyle/>
+          <a:p>
+            <a:pPr algn="ctr"/>
+            <a:r>
+              <a:rPr lang="fr-FR" sz="1400" b="1" dirty="0"/>
+              <a:t>VOLT</a:t>
+            </a:r>
+          </a:p>
+        </p:txBody>
+      </p:sp>
+      <p:sp>
+        <p:nvSpPr>
+          <p:cNvPr id="71" name="Rectangle : coins arrondis 70">
+            <a:extLst>
+              <a:ext uri="{FF2B5EF4-FFF2-40B4-BE49-F238E27FC236}">
+                <a16:creationId xmlns:a16="http://schemas.microsoft.com/office/drawing/2014/main" id="{9F95C915-D369-5842-38A8-F3306D9452CD}"/>
+              </a:ext>
+            </a:extLst>
+          </p:cNvPr>
+          <p:cNvSpPr/>
+          <p:nvPr/>
+        </p:nvSpPr>
+        <p:spPr>
+          <a:xfrm>
+            <a:off x="7430778" y="5378248"/>
+            <a:ext cx="1106131" cy="390832"/>
+          </a:xfrm>
+          <a:prstGeom prst="roundRect">
+            <a:avLst/>
+          </a:prstGeom>
+          <a:ln/>
+        </p:spPr>
+        <p:style>
+          <a:lnRef idx="0">
+            <a:schemeClr val="accent6"/>
+          </a:lnRef>
+          <a:fillRef idx="3">
+            <a:schemeClr val="accent6"/>
+          </a:fillRef>
+          <a:effectRef idx="3">
+            <a:schemeClr val="accent6"/>
+          </a:effectRef>
+          <a:fontRef idx="minor">
+            <a:schemeClr val="lt1"/>
+          </a:fontRef>
+        </p:style>
+        <p:txBody>
+          <a:bodyPr rtlCol="0" anchor="ctr"/>
+          <a:lstStyle/>
+          <a:p>
+            <a:pPr algn="ctr"/>
+            <a:r>
+              <a:rPr lang="fr-FR" sz="1400" b="1" dirty="0"/>
+              <a:t>TOT TIME</a:t>
+            </a:r>
+          </a:p>
+        </p:txBody>
+      </p:sp>
+      <p:sp>
+        <p:nvSpPr>
+          <p:cNvPr id="72" name="Rectangle : coins arrondis 71">
+            <a:extLst>
+              <a:ext uri="{FF2B5EF4-FFF2-40B4-BE49-F238E27FC236}">
+                <a16:creationId xmlns:a16="http://schemas.microsoft.com/office/drawing/2014/main" id="{C17B1C2C-B93F-86BF-0997-FB48962B6A66}"/>
+              </a:ext>
+            </a:extLst>
+          </p:cNvPr>
+          <p:cNvSpPr/>
+          <p:nvPr/>
+        </p:nvSpPr>
+        <p:spPr>
+          <a:xfrm>
+            <a:off x="8581103" y="5378248"/>
+            <a:ext cx="1106131" cy="390832"/>
+          </a:xfrm>
+          <a:prstGeom prst="roundRect">
+            <a:avLst/>
+          </a:prstGeom>
+          <a:ln/>
+        </p:spPr>
+        <p:style>
+          <a:lnRef idx="0">
+            <a:schemeClr val="accent6"/>
+          </a:lnRef>
+          <a:fillRef idx="3">
+            <a:schemeClr val="accent6"/>
+          </a:fillRef>
+          <a:effectRef idx="3">
+            <a:schemeClr val="accent6"/>
+          </a:effectRef>
+          <a:fontRef idx="minor">
+            <a:schemeClr val="lt1"/>
+          </a:fontRef>
+        </p:style>
+        <p:txBody>
+          <a:bodyPr rtlCol="0" anchor="ctr"/>
+          <a:lstStyle/>
+          <a:p>
+            <a:pPr algn="ctr"/>
+            <a:r>
+              <a:rPr lang="fr-FR" sz="1400" b="1" dirty="0"/>
+              <a:t>TOT ERRS</a:t>
+            </a:r>
+          </a:p>
+        </p:txBody>
+      </p:sp>
+      <p:sp>
+        <p:nvSpPr>
+          <p:cNvPr id="74" name="Rectangle : coins arrondis 73">
+            <a:extLst>
+              <a:ext uri="{FF2B5EF4-FFF2-40B4-BE49-F238E27FC236}">
+                <a16:creationId xmlns:a16="http://schemas.microsoft.com/office/drawing/2014/main" id="{11E42095-2965-5CBA-A664-6FFF226DE305}"/>
+              </a:ext>
+            </a:extLst>
+          </p:cNvPr>
+          <p:cNvSpPr/>
+          <p:nvPr/>
+        </p:nvSpPr>
+        <p:spPr>
+          <a:xfrm>
+            <a:off x="9719212" y="5378248"/>
+            <a:ext cx="565352" cy="390832"/>
+          </a:xfrm>
+          <a:prstGeom prst="roundRect">
+            <a:avLst/>
+          </a:prstGeom>
+          <a:ln/>
+        </p:spPr>
+        <p:style>
+          <a:lnRef idx="0">
+            <a:schemeClr val="accent4"/>
+          </a:lnRef>
+          <a:fillRef idx="3">
+            <a:schemeClr val="accent4"/>
+          </a:fillRef>
+          <a:effectRef idx="3">
+            <a:schemeClr val="accent4"/>
+          </a:effectRef>
+          <a:fontRef idx="minor">
+            <a:schemeClr val="lt1"/>
+          </a:fontRef>
+        </p:style>
+        <p:txBody>
+          <a:bodyPr rtlCol="0" anchor="ctr"/>
+          <a:lstStyle/>
+          <a:p>
+            <a:pPr algn="ctr"/>
+            <a:r>
+              <a:rPr lang="fr-FR" sz="1400" b="1" dirty="0"/>
+              <a:t>CS</a:t>
+            </a:r>
+          </a:p>
+        </p:txBody>
+      </p:sp>
+      <p:sp>
+        <p:nvSpPr>
+          <p:cNvPr id="76" name="Rectangle : coins arrondis 75">
+            <a:extLst>
+              <a:ext uri="{FF2B5EF4-FFF2-40B4-BE49-F238E27FC236}">
+                <a16:creationId xmlns:a16="http://schemas.microsoft.com/office/drawing/2014/main" id="{B1AC491E-5899-E551-5D47-2945C5C8823A}"/>
+              </a:ext>
+            </a:extLst>
+          </p:cNvPr>
+          <p:cNvSpPr/>
+          <p:nvPr/>
+        </p:nvSpPr>
+        <p:spPr>
+          <a:xfrm>
+            <a:off x="157364" y="4407310"/>
+            <a:ext cx="565352" cy="390832"/>
+          </a:xfrm>
+          <a:prstGeom prst="roundRect">
+            <a:avLst/>
+          </a:prstGeom>
+          <a:gradFill flip="none" rotWithShape="1">
+            <a:gsLst>
+              <a:gs pos="0">
+                <a:schemeClr val="accent5">
+                  <a:lumMod val="67000"/>
+                </a:schemeClr>
+              </a:gs>
+              <a:gs pos="48000">
+                <a:schemeClr val="accent5">
+                  <a:lumMod val="97000"/>
+                  <a:lumOff val="3000"/>
+                </a:schemeClr>
+              </a:gs>
+              <a:gs pos="100000">
+                <a:schemeClr val="accent5">
+                  <a:lumMod val="60000"/>
+                  <a:lumOff val="40000"/>
+                </a:schemeClr>
+              </a:gs>
+            </a:gsLst>
+            <a:lin ang="16200000" scaled="1"/>
+            <a:tileRect/>
+          </a:gradFill>
+          <a:ln>
+            <a:noFill/>
+          </a:ln>
+        </p:spPr>
+        <p:style>
+          <a:lnRef idx="0">
+            <a:scrgbClr r="0" g="0" b="0"/>
+          </a:lnRef>
+          <a:fillRef idx="0">
+            <a:scrgbClr r="0" g="0" b="0"/>
+          </a:fillRef>
+          <a:effectRef idx="0">
+            <a:scrgbClr r="0" g="0" b="0"/>
+          </a:effectRef>
+          <a:fontRef idx="minor">
+            <a:schemeClr val="lt1"/>
+          </a:fontRef>
+        </p:style>
+        <p:txBody>
+          <a:bodyPr rtlCol="0" anchor="ctr"/>
+          <a:lstStyle/>
+          <a:p>
+            <a:pPr algn="ctr"/>
+            <a:r>
+              <a:rPr lang="fr-FR" sz="1400" b="1" dirty="0"/>
+              <a:t>SOH</a:t>
+            </a:r>
+          </a:p>
+        </p:txBody>
+      </p:sp>
+      <p:sp>
+        <p:nvSpPr>
+          <p:cNvPr id="77" name="Rectangle : coins arrondis 76">
+            <a:extLst>
+              <a:ext uri="{FF2B5EF4-FFF2-40B4-BE49-F238E27FC236}">
+                <a16:creationId xmlns:a16="http://schemas.microsoft.com/office/drawing/2014/main" id="{983C56F4-46A5-C4B1-BD12-D5E65BBA5250}"/>
+              </a:ext>
+            </a:extLst>
+          </p:cNvPr>
+          <p:cNvSpPr/>
+          <p:nvPr/>
+        </p:nvSpPr>
+        <p:spPr>
+          <a:xfrm>
+            <a:off x="127878" y="5378248"/>
+            <a:ext cx="565352" cy="390832"/>
+          </a:xfrm>
+          <a:prstGeom prst="roundRect">
+            <a:avLst/>
+          </a:prstGeom>
+          <a:gradFill flip="none" rotWithShape="1">
+            <a:gsLst>
+              <a:gs pos="0">
+                <a:schemeClr val="accent5">
+                  <a:lumMod val="67000"/>
+                </a:schemeClr>
+              </a:gs>
+              <a:gs pos="48000">
+                <a:schemeClr val="accent5">
+                  <a:lumMod val="97000"/>
+                  <a:lumOff val="3000"/>
+                </a:schemeClr>
+              </a:gs>
+              <a:gs pos="100000">
+                <a:schemeClr val="accent5">
+                  <a:lumMod val="60000"/>
+                  <a:lumOff val="40000"/>
+                </a:schemeClr>
+              </a:gs>
+            </a:gsLst>
+            <a:lin ang="16200000" scaled="1"/>
+            <a:tileRect/>
+          </a:gradFill>
+          <a:ln>
+            <a:noFill/>
+          </a:ln>
+        </p:spPr>
+        <p:style>
+          <a:lnRef idx="0">
+            <a:scrgbClr r="0" g="0" b="0"/>
+          </a:lnRef>
+          <a:fillRef idx="0">
+            <a:scrgbClr r="0" g="0" b="0"/>
+          </a:fillRef>
+          <a:effectRef idx="0">
+            <a:scrgbClr r="0" g="0" b="0"/>
+          </a:effectRef>
+          <a:fontRef idx="minor">
+            <a:schemeClr val="lt1"/>
+          </a:fontRef>
+        </p:style>
+        <p:txBody>
+          <a:bodyPr rtlCol="0" anchor="ctr"/>
+          <a:lstStyle/>
+          <a:p>
+            <a:pPr algn="ctr"/>
+            <a:r>
+              <a:rPr lang="fr-FR" sz="1400" b="1" dirty="0"/>
+              <a:t>SOH</a:t>
+            </a:r>
+          </a:p>
+        </p:txBody>
+      </p:sp>
+    </p:spTree>
+    <p:extLst>
+      <p:ext uri="{BB962C8B-B14F-4D97-AF65-F5344CB8AC3E}">
+        <p14:creationId xmlns:p14="http://schemas.microsoft.com/office/powerpoint/2010/main" val="4093680273"/>
       </p:ext>
     </p:extLst>
   </p:cSld>

--- a/oyas/docs/montages.pptx
+++ b/oyas/docs/montages.pptx
@@ -264,7 +264,7 @@
           <a:p>
             <a:fld id="{87762C5B-391C-44AE-A314-84675F5D9C4A}" type="datetimeFigureOut">
               <a:rPr lang="fr-FR" smtClean="0"/>
-              <a:t>17/05/2025</a:t>
+              <a:t>29/06/2025</a:t>
             </a:fld>
             <a:endParaRPr lang="fr-FR"/>
           </a:p>
@@ -462,7 +462,7 @@
           <a:p>
             <a:fld id="{87762C5B-391C-44AE-A314-84675F5D9C4A}" type="datetimeFigureOut">
               <a:rPr lang="fr-FR" smtClean="0"/>
-              <a:t>17/05/2025</a:t>
+              <a:t>29/06/2025</a:t>
             </a:fld>
             <a:endParaRPr lang="fr-FR"/>
           </a:p>
@@ -670,7 +670,7 @@
           <a:p>
             <a:fld id="{87762C5B-391C-44AE-A314-84675F5D9C4A}" type="datetimeFigureOut">
               <a:rPr lang="fr-FR" smtClean="0"/>
-              <a:t>17/05/2025</a:t>
+              <a:t>29/06/2025</a:t>
             </a:fld>
             <a:endParaRPr lang="fr-FR"/>
           </a:p>
@@ -868,7 +868,7 @@
           <a:p>
             <a:fld id="{87762C5B-391C-44AE-A314-84675F5D9C4A}" type="datetimeFigureOut">
               <a:rPr lang="fr-FR" smtClean="0"/>
-              <a:t>17/05/2025</a:t>
+              <a:t>29/06/2025</a:t>
             </a:fld>
             <a:endParaRPr lang="fr-FR"/>
           </a:p>
@@ -1143,7 +1143,7 @@
           <a:p>
             <a:fld id="{87762C5B-391C-44AE-A314-84675F5D9C4A}" type="datetimeFigureOut">
               <a:rPr lang="fr-FR" smtClean="0"/>
-              <a:t>17/05/2025</a:t>
+              <a:t>29/06/2025</a:t>
             </a:fld>
             <a:endParaRPr lang="fr-FR"/>
           </a:p>
@@ -1408,7 +1408,7 @@
           <a:p>
             <a:fld id="{87762C5B-391C-44AE-A314-84675F5D9C4A}" type="datetimeFigureOut">
               <a:rPr lang="fr-FR" smtClean="0"/>
-              <a:t>17/05/2025</a:t>
+              <a:t>29/06/2025</a:t>
             </a:fld>
             <a:endParaRPr lang="fr-FR"/>
           </a:p>
@@ -1820,7 +1820,7 @@
           <a:p>
             <a:fld id="{87762C5B-391C-44AE-A314-84675F5D9C4A}" type="datetimeFigureOut">
               <a:rPr lang="fr-FR" smtClean="0"/>
-              <a:t>17/05/2025</a:t>
+              <a:t>29/06/2025</a:t>
             </a:fld>
             <a:endParaRPr lang="fr-FR"/>
           </a:p>
@@ -1961,7 +1961,7 @@
           <a:p>
             <a:fld id="{87762C5B-391C-44AE-A314-84675F5D9C4A}" type="datetimeFigureOut">
               <a:rPr lang="fr-FR" smtClean="0"/>
-              <a:t>17/05/2025</a:t>
+              <a:t>29/06/2025</a:t>
             </a:fld>
             <a:endParaRPr lang="fr-FR"/>
           </a:p>
@@ -2074,7 +2074,7 @@
           <a:p>
             <a:fld id="{87762C5B-391C-44AE-A314-84675F5D9C4A}" type="datetimeFigureOut">
               <a:rPr lang="fr-FR" smtClean="0"/>
-              <a:t>17/05/2025</a:t>
+              <a:t>29/06/2025</a:t>
             </a:fld>
             <a:endParaRPr lang="fr-FR"/>
           </a:p>
@@ -2385,7 +2385,7 @@
           <a:p>
             <a:fld id="{87762C5B-391C-44AE-A314-84675F5D9C4A}" type="datetimeFigureOut">
               <a:rPr lang="fr-FR" smtClean="0"/>
-              <a:t>17/05/2025</a:t>
+              <a:t>29/06/2025</a:t>
             </a:fld>
             <a:endParaRPr lang="fr-FR"/>
           </a:p>
@@ -2673,7 +2673,7 @@
           <a:p>
             <a:fld id="{87762C5B-391C-44AE-A314-84675F5D9C4A}" type="datetimeFigureOut">
               <a:rPr lang="fr-FR" smtClean="0"/>
-              <a:t>17/05/2025</a:t>
+              <a:t>29/06/2025</a:t>
             </a:fld>
             <a:endParaRPr lang="fr-FR"/>
           </a:p>
@@ -2914,7 +2914,7 @@
           <a:p>
             <a:fld id="{87762C5B-391C-44AE-A314-84675F5D9C4A}" type="datetimeFigureOut">
               <a:rPr lang="fr-FR" smtClean="0"/>
-              <a:t>17/05/2025</a:t>
+              <a:t>29/06/2025</a:t>
             </a:fld>
             <a:endParaRPr lang="fr-FR"/>
           </a:p>
@@ -3485,7 +3485,7 @@
             <a:pPr algn="ctr"/>
             <a:r>
               <a:rPr lang="fr-FR" dirty="0"/>
-              <a:t>250L</a:t>
+              <a:t>520L</a:t>
             </a:r>
           </a:p>
         </p:txBody>
@@ -4732,7 +4732,7 @@
             <a:pPr algn="ctr"/>
             <a:r>
               <a:rPr lang="fr-FR" dirty="0"/>
-              <a:t>250L</a:t>
+              <a:t>520L</a:t>
             </a:r>
           </a:p>
         </p:txBody>
@@ -6519,7 +6519,7 @@
             <a:pPr algn="ctr"/>
             <a:r>
               <a:rPr lang="fr-FR" dirty="0"/>
-              <a:t>150L</a:t>
+              <a:t>220L</a:t>
             </a:r>
           </a:p>
         </p:txBody>

--- a/oyas/docs/montages.pptx
+++ b/oyas/docs/montages.pptx
@@ -6519,7 +6519,7 @@
             <a:pPr algn="ctr"/>
             <a:r>
               <a:rPr lang="fr-FR" dirty="0"/>
-              <a:t>220L</a:t>
+              <a:t>300L</a:t>
             </a:r>
           </a:p>
         </p:txBody>
